--- a/MultimediaProeject/document/Multimedia.pptx
+++ b/MultimediaProeject/document/Multimedia.pptx
@@ -234,7 +234,7 @@
           <a:p>
             <a:fld id="{866D81A9-CFC2-4640-899E-DD3E177BE50A}" type="datetimeFigureOut">
               <a:rPr lang="en-US" smtClean="0"/>
-              <a:t>11/22/2020</a:t>
+              <a:t>11/23/2020</a:t>
             </a:fld>
             <a:endParaRPr lang="en-US" dirty="0"/>
           </a:p>
@@ -411,7 +411,7 @@
           <a:p>
             <a:fld id="{AA1E50F4-C55A-473A-A70B-4B042EF011A9}" type="datetimeFigureOut">
               <a:rPr lang="en-US" smtClean="0"/>
-              <a:t>11/22/2020</a:t>
+              <a:t>11/23/2020</a:t>
             </a:fld>
             <a:endParaRPr lang="en-US" dirty="0"/>
           </a:p>
@@ -1485,7 +1485,7 @@
             <a:fld id="{87DE6118-2437-4B30-8E3C-4D2BE6020583}" type="datetimeFigureOut">
               <a:rPr lang="en-US" smtClean="0"/>
               <a:pPr/>
-              <a:t>11/22/2020</a:t>
+              <a:t>11/23/2020</a:t>
             </a:fld>
             <a:endParaRPr lang="en-US" dirty="0"/>
           </a:p>
@@ -1738,7 +1738,7 @@
             <a:fld id="{87DE6118-2437-4B30-8E3C-4D2BE6020583}" type="datetimeFigureOut">
               <a:rPr lang="en-US" smtClean="0"/>
               <a:pPr/>
-              <a:t>11/22/2020</a:t>
+              <a:t>11/23/2020</a:t>
             </a:fld>
             <a:endParaRPr lang="en-US" dirty="0"/>
           </a:p>
@@ -2054,7 +2054,7 @@
             <a:fld id="{87DE6118-2437-4B30-8E3C-4D2BE6020583}" type="datetimeFigureOut">
               <a:rPr lang="en-US" smtClean="0"/>
               <a:pPr/>
-              <a:t>11/22/2020</a:t>
+              <a:t>11/23/2020</a:t>
             </a:fld>
             <a:endParaRPr lang="en-US" dirty="0"/>
           </a:p>
@@ -2397,7 +2397,7 @@
             <a:fld id="{87DE6118-2437-4B30-8E3C-4D2BE6020583}" type="datetimeFigureOut">
               <a:rPr lang="en-US" smtClean="0"/>
               <a:pPr/>
-              <a:t>11/22/2020</a:t>
+              <a:t>11/23/2020</a:t>
             </a:fld>
             <a:endParaRPr lang="en-US" dirty="0"/>
           </a:p>
@@ -2713,7 +2713,7 @@
             <a:fld id="{87DE6118-2437-4B30-8E3C-4D2BE6020583}" type="datetimeFigureOut">
               <a:rPr lang="en-US" smtClean="0"/>
               <a:pPr/>
-              <a:t>11/22/2020</a:t>
+              <a:t>11/23/2020</a:t>
             </a:fld>
             <a:endParaRPr lang="en-US" dirty="0"/>
           </a:p>
@@ -3108,7 +3108,7 @@
             <a:fld id="{87DE6118-2437-4B30-8E3C-4D2BE6020583}" type="datetimeFigureOut">
               <a:rPr lang="en-US" smtClean="0"/>
               <a:pPr/>
-              <a:t>11/22/2020</a:t>
+              <a:t>11/23/2020</a:t>
             </a:fld>
             <a:endParaRPr lang="en-US" dirty="0"/>
           </a:p>
@@ -3279,7 +3279,7 @@
           <a:p>
             <a:fld id="{87DE6118-2437-4B30-8E3C-4D2BE6020583}" type="datetimeFigureOut">
               <a:rPr lang="en-US" smtClean="0"/>
-              <a:t>11/22/2020</a:t>
+              <a:t>11/23/2020</a:t>
             </a:fld>
             <a:endParaRPr lang="en-US" dirty="0"/>
           </a:p>
@@ -3459,7 +3459,7 @@
           <a:p>
             <a:fld id="{87DE6118-2437-4B30-8E3C-4D2BE6020583}" type="datetimeFigureOut">
               <a:rPr lang="en-US" smtClean="0"/>
-              <a:t>11/22/2020</a:t>
+              <a:t>11/23/2020</a:t>
             </a:fld>
             <a:endParaRPr lang="en-US" dirty="0"/>
           </a:p>
@@ -3635,7 +3635,7 @@
           <a:p>
             <a:fld id="{87DE6118-2437-4B30-8E3C-4D2BE6020583}" type="datetimeFigureOut">
               <a:rPr lang="en-US" smtClean="0"/>
-              <a:t>11/22/2020</a:t>
+              <a:t>11/23/2020</a:t>
             </a:fld>
             <a:endParaRPr lang="en-US" dirty="0"/>
           </a:p>
@@ -3883,7 +3883,7 @@
             <a:fld id="{87DE6118-2437-4B30-8E3C-4D2BE6020583}" type="datetimeFigureOut">
               <a:rPr lang="en-US" smtClean="0"/>
               <a:pPr/>
-              <a:t>11/22/2020</a:t>
+              <a:t>11/23/2020</a:t>
             </a:fld>
             <a:endParaRPr lang="en-US" dirty="0"/>
           </a:p>
@@ -4116,7 +4116,7 @@
           <a:p>
             <a:fld id="{87DE6118-2437-4B30-8E3C-4D2BE6020583}" type="datetimeFigureOut">
               <a:rPr lang="en-US" smtClean="0"/>
-              <a:t>11/22/2020</a:t>
+              <a:t>11/23/2020</a:t>
             </a:fld>
             <a:endParaRPr lang="en-US" dirty="0"/>
           </a:p>
@@ -4490,7 +4490,7 @@
           <a:p>
             <a:fld id="{87DE6118-2437-4B30-8E3C-4D2BE6020583}" type="datetimeFigureOut">
               <a:rPr lang="en-US" smtClean="0"/>
-              <a:t>11/22/2020</a:t>
+              <a:t>11/23/2020</a:t>
             </a:fld>
             <a:endParaRPr lang="en-US" dirty="0"/>
           </a:p>
@@ -4613,7 +4613,7 @@
           <a:p>
             <a:fld id="{87DE6118-2437-4B30-8E3C-4D2BE6020583}" type="datetimeFigureOut">
               <a:rPr lang="en-US" smtClean="0"/>
-              <a:t>11/22/2020</a:t>
+              <a:t>11/23/2020</a:t>
             </a:fld>
             <a:endParaRPr lang="en-US" dirty="0"/>
           </a:p>
@@ -4708,7 +4708,7 @@
           <a:p>
             <a:fld id="{87DE6118-2437-4B30-8E3C-4D2BE6020583}" type="datetimeFigureOut">
               <a:rPr lang="en-US" smtClean="0"/>
-              <a:t>11/22/2020</a:t>
+              <a:t>11/23/2020</a:t>
             </a:fld>
             <a:endParaRPr lang="en-US" dirty="0"/>
           </a:p>
@@ -4964,7 +4964,7 @@
             <a:fld id="{87DE6118-2437-4B30-8E3C-4D2BE6020583}" type="datetimeFigureOut">
               <a:rPr lang="en-US" smtClean="0"/>
               <a:pPr/>
-              <a:t>11/22/2020</a:t>
+              <a:t>11/23/2020</a:t>
             </a:fld>
             <a:endParaRPr lang="en-US" dirty="0"/>
           </a:p>
@@ -5229,7 +5229,7 @@
             <a:fld id="{87DE6118-2437-4B30-8E3C-4D2BE6020583}" type="datetimeFigureOut">
               <a:rPr lang="en-US" smtClean="0"/>
               <a:pPr/>
-              <a:t>11/22/2020</a:t>
+              <a:t>11/23/2020</a:t>
             </a:fld>
             <a:endParaRPr lang="en-US" dirty="0"/>
           </a:p>
@@ -5974,7 +5974,7 @@
             <a:fld id="{87DE6118-2437-4B30-8E3C-4D2BE6020583}" type="datetimeFigureOut">
               <a:rPr lang="en-US" smtClean="0"/>
               <a:pPr/>
-              <a:t>11/22/2020</a:t>
+              <a:t>11/23/2020</a:t>
             </a:fld>
             <a:endParaRPr lang="en-US" dirty="0"/>
           </a:p>
@@ -7555,7 +7555,7 @@
         </p:spPr>
         <p:txBody>
           <a:bodyPr>
-            <a:normAutofit fontScale="85000" lnSpcReduction="20000"/>
+            <a:normAutofit fontScale="62500" lnSpcReduction="20000"/>
           </a:bodyPr>
           <a:lstStyle/>
           <a:p>
@@ -7567,7 +7567,7 @@
                 <a:effectLst/>
                 <a:latin typeface="Courier New" panose="02070309020205020404" pitchFamily="49" charset="0"/>
               </a:rPr>
-              <a:t>read a character k</a:t>
+              <a:t>read a character k //dòng 1</a:t>
             </a:r>
           </a:p>
           <a:p>
@@ -7579,7 +7579,7 @@
                 <a:effectLst/>
                 <a:latin typeface="Courier New" panose="02070309020205020404" pitchFamily="49" charset="0"/>
               </a:rPr>
-              <a:t>w = k;</a:t>
+              <a:t>w = k; //dòng 2</a:t>
             </a:r>
           </a:p>
           <a:p>
@@ -7591,7 +7591,18 @@
                 <a:effectLst/>
                 <a:latin typeface="Courier New" panose="02070309020205020404" pitchFamily="49" charset="0"/>
               </a:rPr>
-              <a:t>while (read a character k )</a:t>
+              <a:t>while (read a character k ) //dòng 3</a:t>
+            </a:r>
+          </a:p>
+          <a:p>
+            <a:pPr marL="457200" lvl="1" indent="0">
+              <a:buNone/>
+            </a:pPr>
+            <a:r>
+              <a:rPr lang="en-US">
+                <a:latin typeface="Courier New" panose="02070309020205020404" pitchFamily="49" charset="0"/>
+              </a:rPr>
+              <a:t>{</a:t>
             </a:r>
           </a:p>
           <a:p>
@@ -7603,7 +7614,19 @@
                 <a:effectLst/>
                 <a:latin typeface="Courier New" panose="02070309020205020404" pitchFamily="49" charset="0"/>
               </a:rPr>
-              <a:t>{if wk exists in the dictionary</a:t>
+              <a:t>wk=w+k //dòng 4</a:t>
+            </a:r>
+          </a:p>
+          <a:p>
+            <a:pPr marL="457200" lvl="1" indent="0">
+              <a:buNone/>
+            </a:pPr>
+            <a:r>
+              <a:rPr lang="en-US" b="0" i="0">
+                <a:effectLst/>
+                <a:latin typeface="Courier New" panose="02070309020205020404" pitchFamily="49" charset="0"/>
+              </a:rPr>
+              <a:t>if wk exists in the dictionary //dòng 5</a:t>
             </a:r>
           </a:p>
           <a:p>
@@ -7621,7 +7644,7 @@
                 <a:effectLst/>
                 <a:latin typeface="Courier New" panose="02070309020205020404" pitchFamily="49" charset="0"/>
               </a:rPr>
-              <a:t>w = wk;</a:t>
+              <a:t>w = wk; //dòng 6</a:t>
             </a:r>
           </a:p>
           <a:p>
@@ -7633,7 +7656,7 @@
                 <a:effectLst/>
                 <a:latin typeface="Courier New" panose="02070309020205020404" pitchFamily="49" charset="0"/>
               </a:rPr>
-              <a:t>Else</a:t>
+              <a:t>Else //dòng 7</a:t>
             </a:r>
           </a:p>
           <a:p>
@@ -7651,7 +7674,7 @@
                 <a:effectLst/>
                 <a:latin typeface="Courier New" panose="02070309020205020404" pitchFamily="49" charset="0"/>
               </a:rPr>
-              <a:t>add wk to the dictionary;</a:t>
+              <a:t>add wk to the dictionary; //dòng )</a:t>
             </a:r>
           </a:p>
           <a:p>
@@ -7669,25 +7692,36 @@
                 <a:effectLst/>
                 <a:latin typeface="Courier New" panose="02070309020205020404" pitchFamily="49" charset="0"/>
               </a:rPr>
-              <a:t>if w contains a character</a:t>
-            </a:r>
-          </a:p>
-          <a:p>
-            <a:pPr marL="457200" lvl="1" indent="0">
-              <a:buNone/>
-            </a:pPr>
+              <a:t>if w 	</a:t>
+            </a:r>
             <a:r>
               <a:rPr lang="en-US">
                 <a:latin typeface="Courier New" panose="02070309020205020404" pitchFamily="49" charset="0"/>
               </a:rPr>
-              <a:t>		</a:t>
-            </a:r>
+              <a:t>elsecontains a character //dòng 9</a:t>
+            </a:r>
+          </a:p>
+          <a:p>
+            <a:pPr marL="457200" lvl="1" indent="0">
+              <a:buNone/>
+            </a:pPr>
+            <a:r>
+              <a:rPr lang="en-US">
+                <a:latin typeface="Courier New" panose="02070309020205020404" pitchFamily="49" charset="0"/>
+              </a:rPr>
+              <a:t>		output character //dòng 10</a:t>
+            </a:r>
+          </a:p>
+          <a:p>
+            <a:pPr marL="457200" lvl="1" indent="0">
+              <a:buNone/>
+            </a:pPr>
             <a:r>
               <a:rPr lang="en-US" b="0" i="0">
                 <a:effectLst/>
                 <a:latin typeface="Courier New" panose="02070309020205020404" pitchFamily="49" charset="0"/>
               </a:rPr>
-              <a:t>output character</a:t>
+              <a:t>	else //dòng 11</a:t>
             </a:r>
           </a:p>
           <a:p>
@@ -7699,7 +7733,7 @@
                 <a:effectLst/>
                 <a:latin typeface="Courier New" panose="02070309020205020404" pitchFamily="49" charset="0"/>
               </a:rPr>
-              <a:t>	else</a:t>
+              <a:t>		output the code for w; //dòng 12</a:t>
             </a:r>
           </a:p>
           <a:p>
@@ -7711,7 +7745,7 @@
                 <a:effectLst/>
                 <a:latin typeface="Courier New" panose="02070309020205020404" pitchFamily="49" charset="0"/>
               </a:rPr>
-              <a:t>		output the code for w;</a:t>
+              <a:t>	w = k; //dòng 13</a:t>
             </a:r>
           </a:p>
           <a:p>
@@ -7723,7 +7757,7 @@
                 <a:effectLst/>
                 <a:latin typeface="Courier New" panose="02070309020205020404" pitchFamily="49" charset="0"/>
               </a:rPr>
-              <a:t>	w = k;}</a:t>
+              <a:t>}</a:t>
             </a:r>
             <a:br>
               <a:rPr lang="en-US"/>
@@ -7813,12 +7847,12 @@
         <p:spPr>
           <a:xfrm>
             <a:off x="677334" y="1428751"/>
-            <a:ext cx="8596668" cy="5429250"/>
+            <a:ext cx="10428816" cy="5429250"/>
           </a:xfrm>
         </p:spPr>
         <p:txBody>
           <a:bodyPr>
-            <a:normAutofit fontScale="92500" lnSpcReduction="20000"/>
+            <a:normAutofit fontScale="85000" lnSpcReduction="20000"/>
           </a:bodyPr>
           <a:lstStyle/>
           <a:p>
@@ -7830,7 +7864,7 @@
                 <a:effectLst/>
                 <a:latin typeface="Courier New" panose="02070309020205020404" pitchFamily="49" charset="0"/>
               </a:rPr>
-              <a:t>read a character k;</a:t>
+              <a:t>read a character k; //dòng 1</a:t>
             </a:r>
           </a:p>
           <a:p>
@@ -7842,7 +7876,7 @@
                 <a:effectLst/>
                 <a:latin typeface="Courier New" panose="02070309020205020404" pitchFamily="49" charset="0"/>
               </a:rPr>
-              <a:t>output k;</a:t>
+              <a:t>output k; //dòng 2</a:t>
             </a:r>
           </a:p>
           <a:p>
@@ -7854,7 +7888,7 @@
                 <a:effectLst/>
                 <a:latin typeface="Courier New" panose="02070309020205020404" pitchFamily="49" charset="0"/>
               </a:rPr>
-              <a:t>w = k;</a:t>
+              <a:t>w = k; //dòng 3</a:t>
             </a:r>
           </a:p>
           <a:p>
@@ -7902,7 +7936,7 @@
                 <a:effectLst/>
                 <a:latin typeface="Courier New" panose="02070309020205020404" pitchFamily="49" charset="0"/>
               </a:rPr>
-              <a:t>if k is a character or code k exists in the dictionary</a:t>
+              <a:t>if k is a character or code k exists in the dictionary //dòng 4 (có 2 trường hợp là một kí tự hoặc là một code)</a:t>
             </a:r>
           </a:p>
           <a:p>
@@ -7920,7 +7954,7 @@
                 <a:effectLst/>
                 <a:latin typeface="Courier New" panose="02070309020205020404" pitchFamily="49" charset="0"/>
               </a:rPr>
-              <a:t>entry = character k or string in dictionary for code k;</a:t>
+              <a:t>entry = character k or string in dictionary for code k; //dòng5</a:t>
             </a:r>
           </a:p>
           <a:p>
@@ -7932,7 +7966,7 @@
                 <a:effectLst/>
                 <a:latin typeface="Courier New" panose="02070309020205020404" pitchFamily="49" charset="0"/>
               </a:rPr>
-              <a:t>	output entry;</a:t>
+              <a:t>	output entry; //dòng6</a:t>
             </a:r>
           </a:p>
           <a:p>
@@ -7944,7 +7978,7 @@
                 <a:effectLst/>
                 <a:latin typeface="Courier New" panose="02070309020205020404" pitchFamily="49" charset="0"/>
               </a:rPr>
-              <a:t>	add w + firstCharacterOf(entry) to dictionary;</a:t>
+              <a:t>	add w + firstCharacterOf(entry) to dictionary; dòng7</a:t>
             </a:r>
           </a:p>
           <a:p>
@@ -7956,7 +7990,7 @@
                 <a:effectLst/>
                 <a:latin typeface="Courier New" panose="02070309020205020404" pitchFamily="49" charset="0"/>
               </a:rPr>
-              <a:t>	w = entry;</a:t>
+              <a:t>	w = entry; //dòng 8</a:t>
             </a:r>
           </a:p>
           <a:p>
@@ -7968,7 +8002,7 @@
                 <a:effectLst/>
                 <a:latin typeface="Courier New" panose="02070309020205020404" pitchFamily="49" charset="0"/>
               </a:rPr>
-              <a:t>Else</a:t>
+              <a:t>Else //dòng 9</a:t>
             </a:r>
           </a:p>
           <a:p>
@@ -7980,7 +8014,7 @@
                 <a:effectLst/>
                 <a:latin typeface="Courier New" panose="02070309020205020404" pitchFamily="49" charset="0"/>
               </a:rPr>
-              <a:t>	output entry = w + firstCharacterOf(w);</a:t>
+              <a:t>	entry = w + firstCharacterOf(w); //dòng10</a:t>
             </a:r>
           </a:p>
           <a:p>
@@ -7992,7 +8026,7 @@
                 <a:effectLst/>
                 <a:latin typeface="Courier New" panose="02070309020205020404" pitchFamily="49" charset="0"/>
               </a:rPr>
-              <a:t>	add entry to dictionary;</a:t>
+              <a:t>	output entry //dòng 10,1</a:t>
             </a:r>
           </a:p>
           <a:p>
@@ -8004,7 +8038,19 @@
                 <a:effectLst/>
                 <a:latin typeface="Courier New" panose="02070309020205020404" pitchFamily="49" charset="0"/>
               </a:rPr>
-              <a:t>	w = entry;</a:t>
+              <a:t>	add entry to dictionary; //dòng 11</a:t>
+            </a:r>
+          </a:p>
+          <a:p>
+            <a:pPr marL="457200" lvl="1" indent="0">
+              <a:buNone/>
+            </a:pPr>
+            <a:r>
+              <a:rPr lang="en-US" b="0" i="0">
+                <a:effectLst/>
+                <a:latin typeface="Courier New" panose="02070309020205020404" pitchFamily="49" charset="0"/>
+              </a:rPr>
+              <a:t>	w = entry; //dòng12</a:t>
             </a:r>
           </a:p>
           <a:p>
@@ -9126,6 +9172,23 @@
 </file>
 
 <file path=customXml/item1.xml><?xml version="1.0" encoding="utf-8"?>
+<?mso-contentType ?>
+<FormTemplates xmlns="http://schemas.microsoft.com/sharepoint/v3/contenttype/forms">
+  <Display>DocumentLibraryForm</Display>
+  <Edit>DocumentLibraryForm</Edit>
+  <New>DocumentLibraryForm</New>
+</FormTemplates>
+</file>
+
+<file path=customXml/item2.xml><?xml version="1.0" encoding="utf-8"?>
+<p:properties xmlns:p="http://schemas.microsoft.com/office/2006/metadata/properties" xmlns:xsi="http://www.w3.org/2001/XMLSchema-instance" xmlns:pc="http://schemas.microsoft.com/office/infopath/2007/PartnerControls">
+  <documentManagement>
+    <MediaServiceKeyPoints xmlns="71af3243-3dd4-4a8d-8c0d-dd76da1f02a5" xsi:nil="true"/>
+  </documentManagement>
+</p:properties>
+</file>
+
+<file path=customXml/item3.xml><?xml version="1.0" encoding="utf-8"?>
 <ct:contentTypeSchema xmlns:ct="http://schemas.microsoft.com/office/2006/metadata/contentType" xmlns:ma="http://schemas.microsoft.com/office/2006/metadata/properties/metaAttributes" ct:_="" ma:_="" ma:contentTypeName="Document" ma:contentTypeID="0x01010079F111ED35F8CC479449609E8A0923A6" ma:contentTypeVersion="11" ma:contentTypeDescription="Create a new document." ma:contentTypeScope="" ma:versionID="9677210f24a1be23c92c90fd886aa0aa">
   <xsd:schema xmlns:xsd="http://www.w3.org/2001/XMLSchema" xmlns:xs="http://www.w3.org/2001/XMLSchema" xmlns:p="http://schemas.microsoft.com/office/2006/metadata/properties" xmlns:ns2="71af3243-3dd4-4a8d-8c0d-dd76da1f02a5" xmlns:ns3="16c05727-aa75-4e4a-9b5f-8a80a1165891" targetNamespace="http://schemas.microsoft.com/office/2006/metadata/properties" ma:root="true" ma:fieldsID="60e05723c5c1908df1a1a4ebf11d344e" ns2:_="" ns3:_="">
     <xsd:import namespace="71af3243-3dd4-4a8d-8c0d-dd76da1f02a5"/>
@@ -9336,24 +9399,25 @@
 </ct:contentTypeSchema>
 </file>
 
-<file path=customXml/item2.xml><?xml version="1.0" encoding="utf-8"?>
-<p:properties xmlns:p="http://schemas.microsoft.com/office/2006/metadata/properties" xmlns:xsi="http://www.w3.org/2001/XMLSchema-instance" xmlns:pc="http://schemas.microsoft.com/office/infopath/2007/PartnerControls">
-  <documentManagement>
-    <MediaServiceKeyPoints xmlns="71af3243-3dd4-4a8d-8c0d-dd76da1f02a5" xsi:nil="true"/>
-  </documentManagement>
-</p:properties>
+<file path=customXml/itemProps1.xml><?xml version="1.0" encoding="utf-8"?>
+<ds:datastoreItem xmlns:ds="http://schemas.openxmlformats.org/officeDocument/2006/customXml" ds:itemID="{CE12C2FA-3740-4055-BA8A-74A1458F4A51}">
+  <ds:schemaRefs>
+    <ds:schemaRef ds:uri="http://schemas.microsoft.com/sharepoint/v3/contenttype/forms"/>
+  </ds:schemaRefs>
+</ds:datastoreItem>
 </file>
 
-<file path=customXml/item3.xml><?xml version="1.0" encoding="utf-8"?>
-<?mso-contentType ?>
-<FormTemplates xmlns="http://schemas.microsoft.com/sharepoint/v3/contenttype/forms">
-  <Display>DocumentLibraryForm</Display>
-  <Edit>DocumentLibraryForm</Edit>
-  <New>DocumentLibraryForm</New>
-</FormTemplates>
+<file path=customXml/itemProps2.xml><?xml version="1.0" encoding="utf-8"?>
+<ds:datastoreItem xmlns:ds="http://schemas.openxmlformats.org/officeDocument/2006/customXml" ds:itemID="{4415B3C4-7FB6-414C-8C24-8862C0E6C9F3}">
+  <ds:schemaRefs>
+    <ds:schemaRef ds:uri="http://schemas.microsoft.com/office/2006/metadata/properties"/>
+    <ds:schemaRef ds:uri="http://schemas.microsoft.com/office/infopath/2007/PartnerControls"/>
+    <ds:schemaRef ds:uri="71af3243-3dd4-4a8d-8c0d-dd76da1f02a5"/>
+  </ds:schemaRefs>
+</ds:datastoreItem>
 </file>
 
-<file path=customXml/itemProps1.xml><?xml version="1.0" encoding="utf-8"?>
+<file path=customXml/itemProps3.xml><?xml version="1.0" encoding="utf-8"?>
 <ds:datastoreItem xmlns:ds="http://schemas.openxmlformats.org/officeDocument/2006/customXml" ds:itemID="{C94D8E57-4A0C-4C18-9517-59F50323F015}">
   <ds:schemaRefs>
     <ds:schemaRef ds:uri="http://schemas.microsoft.com/office/2006/metadata/contentType"/>
@@ -9370,22 +9434,4 @@
     <ds:schemaRef ds:uri="http://schemas.microsoft.com/internal/obd"/>
   </ds:schemaRefs>
 </ds:datastoreItem>
-</file>
-
-<file path=customXml/itemProps2.xml><?xml version="1.0" encoding="utf-8"?>
-<ds:datastoreItem xmlns:ds="http://schemas.openxmlformats.org/officeDocument/2006/customXml" ds:itemID="{4415B3C4-7FB6-414C-8C24-8862C0E6C9F3}">
-  <ds:schemaRefs>
-    <ds:schemaRef ds:uri="http://schemas.microsoft.com/office/2006/metadata/properties"/>
-    <ds:schemaRef ds:uri="http://schemas.microsoft.com/office/infopath/2007/PartnerControls"/>
-    <ds:schemaRef ds:uri="71af3243-3dd4-4a8d-8c0d-dd76da1f02a5"/>
-  </ds:schemaRefs>
-</ds:datastoreItem>
-</file>
-
-<file path=customXml/itemProps3.xml><?xml version="1.0" encoding="utf-8"?>
-<ds:datastoreItem xmlns:ds="http://schemas.openxmlformats.org/officeDocument/2006/customXml" ds:itemID="{CE12C2FA-3740-4055-BA8A-74A1458F4A51}">
-  <ds:schemaRefs>
-    <ds:schemaRef ds:uri="http://schemas.microsoft.com/sharepoint/v3/contenttype/forms"/>
-  </ds:schemaRefs>
-</ds:datastoreItem>
 </file>
--- a/MultimediaProeject/document/Multimedia.pptx
+++ b/MultimediaProeject/document/Multimedia.pptx
@@ -5,21 +5,22 @@
     <p:sldMasterId id="2147483786" r:id="rId4"/>
   </p:sldMasterIdLst>
   <p:notesMasterIdLst>
-    <p:notesMasterId r:id="rId14"/>
+    <p:notesMasterId r:id="rId15"/>
   </p:notesMasterIdLst>
   <p:handoutMasterIdLst>
-    <p:handoutMasterId r:id="rId15"/>
+    <p:handoutMasterId r:id="rId16"/>
   </p:handoutMasterIdLst>
   <p:sldIdLst>
     <p:sldId id="256" r:id="rId5"/>
     <p:sldId id="257" r:id="rId6"/>
     <p:sldId id="258" r:id="rId7"/>
     <p:sldId id="261" r:id="rId8"/>
-    <p:sldId id="260" r:id="rId9"/>
-    <p:sldId id="262" r:id="rId10"/>
+    <p:sldId id="262" r:id="rId9"/>
+    <p:sldId id="269" r:id="rId10"/>
     <p:sldId id="263" r:id="rId11"/>
-    <p:sldId id="259" r:id="rId12"/>
-    <p:sldId id="264" r:id="rId13"/>
+    <p:sldId id="267" r:id="rId12"/>
+    <p:sldId id="259" r:id="rId13"/>
+    <p:sldId id="264" r:id="rId14"/>
   </p:sldIdLst>
   <p:sldSz cx="12192000" cy="6858000"/>
   <p:notesSz cx="6858000" cy="9144000"/>
@@ -234,7 +235,7 @@
           <a:p>
             <a:fld id="{866D81A9-CFC2-4640-899E-DD3E177BE50A}" type="datetimeFigureOut">
               <a:rPr lang="en-US" smtClean="0"/>
-              <a:t>11/23/2020</a:t>
+              <a:t>11/30/2020</a:t>
             </a:fld>
             <a:endParaRPr lang="en-US" dirty="0"/>
           </a:p>
@@ -411,7 +412,7 @@
           <a:p>
             <a:fld id="{AA1E50F4-C55A-473A-A70B-4B042EF011A9}" type="datetimeFigureOut">
               <a:rPr lang="en-US" smtClean="0"/>
-              <a:t>11/23/2020</a:t>
+              <a:t>11/30/2020</a:t>
             </a:fld>
             <a:endParaRPr lang="en-US" dirty="0"/>
           </a:p>
@@ -1485,7 +1486,7 @@
             <a:fld id="{87DE6118-2437-4B30-8E3C-4D2BE6020583}" type="datetimeFigureOut">
               <a:rPr lang="en-US" smtClean="0"/>
               <a:pPr/>
-              <a:t>11/23/2020</a:t>
+              <a:t>11/30/2020</a:t>
             </a:fld>
             <a:endParaRPr lang="en-US" dirty="0"/>
           </a:p>
@@ -1738,7 +1739,7 @@
             <a:fld id="{87DE6118-2437-4B30-8E3C-4D2BE6020583}" type="datetimeFigureOut">
               <a:rPr lang="en-US" smtClean="0"/>
               <a:pPr/>
-              <a:t>11/23/2020</a:t>
+              <a:t>11/30/2020</a:t>
             </a:fld>
             <a:endParaRPr lang="en-US" dirty="0"/>
           </a:p>
@@ -2054,7 +2055,7 @@
             <a:fld id="{87DE6118-2437-4B30-8E3C-4D2BE6020583}" type="datetimeFigureOut">
               <a:rPr lang="en-US" smtClean="0"/>
               <a:pPr/>
-              <a:t>11/23/2020</a:t>
+              <a:t>11/30/2020</a:t>
             </a:fld>
             <a:endParaRPr lang="en-US" dirty="0"/>
           </a:p>
@@ -2397,7 +2398,7 @@
             <a:fld id="{87DE6118-2437-4B30-8E3C-4D2BE6020583}" type="datetimeFigureOut">
               <a:rPr lang="en-US" smtClean="0"/>
               <a:pPr/>
-              <a:t>11/23/2020</a:t>
+              <a:t>11/30/2020</a:t>
             </a:fld>
             <a:endParaRPr lang="en-US" dirty="0"/>
           </a:p>
@@ -2713,7 +2714,7 @@
             <a:fld id="{87DE6118-2437-4B30-8E3C-4D2BE6020583}" type="datetimeFigureOut">
               <a:rPr lang="en-US" smtClean="0"/>
               <a:pPr/>
-              <a:t>11/23/2020</a:t>
+              <a:t>11/30/2020</a:t>
             </a:fld>
             <a:endParaRPr lang="en-US" dirty="0"/>
           </a:p>
@@ -3108,7 +3109,7 @@
             <a:fld id="{87DE6118-2437-4B30-8E3C-4D2BE6020583}" type="datetimeFigureOut">
               <a:rPr lang="en-US" smtClean="0"/>
               <a:pPr/>
-              <a:t>11/23/2020</a:t>
+              <a:t>11/30/2020</a:t>
             </a:fld>
             <a:endParaRPr lang="en-US" dirty="0"/>
           </a:p>
@@ -3279,7 +3280,7 @@
           <a:p>
             <a:fld id="{87DE6118-2437-4B30-8E3C-4D2BE6020583}" type="datetimeFigureOut">
               <a:rPr lang="en-US" smtClean="0"/>
-              <a:t>11/23/2020</a:t>
+              <a:t>11/30/2020</a:t>
             </a:fld>
             <a:endParaRPr lang="en-US" dirty="0"/>
           </a:p>
@@ -3459,7 +3460,7 @@
           <a:p>
             <a:fld id="{87DE6118-2437-4B30-8E3C-4D2BE6020583}" type="datetimeFigureOut">
               <a:rPr lang="en-US" smtClean="0"/>
-              <a:t>11/23/2020</a:t>
+              <a:t>11/30/2020</a:t>
             </a:fld>
             <a:endParaRPr lang="en-US" dirty="0"/>
           </a:p>
@@ -3635,7 +3636,7 @@
           <a:p>
             <a:fld id="{87DE6118-2437-4B30-8E3C-4D2BE6020583}" type="datetimeFigureOut">
               <a:rPr lang="en-US" smtClean="0"/>
-              <a:t>11/23/2020</a:t>
+              <a:t>11/30/2020</a:t>
             </a:fld>
             <a:endParaRPr lang="en-US" dirty="0"/>
           </a:p>
@@ -3883,7 +3884,7 @@
             <a:fld id="{87DE6118-2437-4B30-8E3C-4D2BE6020583}" type="datetimeFigureOut">
               <a:rPr lang="en-US" smtClean="0"/>
               <a:pPr/>
-              <a:t>11/23/2020</a:t>
+              <a:t>11/30/2020</a:t>
             </a:fld>
             <a:endParaRPr lang="en-US" dirty="0"/>
           </a:p>
@@ -4116,7 +4117,7 @@
           <a:p>
             <a:fld id="{87DE6118-2437-4B30-8E3C-4D2BE6020583}" type="datetimeFigureOut">
               <a:rPr lang="en-US" smtClean="0"/>
-              <a:t>11/23/2020</a:t>
+              <a:t>11/30/2020</a:t>
             </a:fld>
             <a:endParaRPr lang="en-US" dirty="0"/>
           </a:p>
@@ -4490,7 +4491,7 @@
           <a:p>
             <a:fld id="{87DE6118-2437-4B30-8E3C-4D2BE6020583}" type="datetimeFigureOut">
               <a:rPr lang="en-US" smtClean="0"/>
-              <a:t>11/23/2020</a:t>
+              <a:t>11/30/2020</a:t>
             </a:fld>
             <a:endParaRPr lang="en-US" dirty="0"/>
           </a:p>
@@ -4613,7 +4614,7 @@
           <a:p>
             <a:fld id="{87DE6118-2437-4B30-8E3C-4D2BE6020583}" type="datetimeFigureOut">
               <a:rPr lang="en-US" smtClean="0"/>
-              <a:t>11/23/2020</a:t>
+              <a:t>11/30/2020</a:t>
             </a:fld>
             <a:endParaRPr lang="en-US" dirty="0"/>
           </a:p>
@@ -4708,7 +4709,7 @@
           <a:p>
             <a:fld id="{87DE6118-2437-4B30-8E3C-4D2BE6020583}" type="datetimeFigureOut">
               <a:rPr lang="en-US" smtClean="0"/>
-              <a:t>11/23/2020</a:t>
+              <a:t>11/30/2020</a:t>
             </a:fld>
             <a:endParaRPr lang="en-US" dirty="0"/>
           </a:p>
@@ -4964,7 +4965,7 @@
             <a:fld id="{87DE6118-2437-4B30-8E3C-4D2BE6020583}" type="datetimeFigureOut">
               <a:rPr lang="en-US" smtClean="0"/>
               <a:pPr/>
-              <a:t>11/23/2020</a:t>
+              <a:t>11/30/2020</a:t>
             </a:fld>
             <a:endParaRPr lang="en-US" dirty="0"/>
           </a:p>
@@ -5229,7 +5230,7 @@
             <a:fld id="{87DE6118-2437-4B30-8E3C-4D2BE6020583}" type="datetimeFigureOut">
               <a:rPr lang="en-US" smtClean="0"/>
               <a:pPr/>
-              <a:t>11/23/2020</a:t>
+              <a:t>11/30/2020</a:t>
             </a:fld>
             <a:endParaRPr lang="en-US" dirty="0"/>
           </a:p>
@@ -5974,7 +5975,7 @@
             <a:fld id="{87DE6118-2437-4B30-8E3C-4D2BE6020583}" type="datetimeFigureOut">
               <a:rPr lang="en-US" smtClean="0"/>
               <a:pPr/>
-              <a:t>11/23/2020</a:t>
+              <a:t>11/30/2020</a:t>
             </a:fld>
             <a:endParaRPr lang="en-US" dirty="0"/>
           </a:p>
@@ -6694,6 +6695,100 @@
 </p:sld>
 </file>
 
+<file path=ppt/slides/slide10.xml><?xml version="1.0" encoding="utf-8"?>
+<p:sld xmlns:a="http://schemas.openxmlformats.org/drawingml/2006/main" xmlns:r="http://schemas.openxmlformats.org/officeDocument/2006/relationships" xmlns:p="http://schemas.openxmlformats.org/presentationml/2006/main">
+  <p:cSld>
+    <p:spTree>
+      <p:nvGrpSpPr>
+        <p:cNvPr id="1" name=""/>
+        <p:cNvGrpSpPr/>
+        <p:nvPr/>
+      </p:nvGrpSpPr>
+      <p:grpSpPr>
+        <a:xfrm>
+          <a:off x="0" y="0"/>
+          <a:ext cx="0" cy="0"/>
+          <a:chOff x="0" y="0"/>
+          <a:chExt cx="0" cy="0"/>
+        </a:xfrm>
+      </p:grpSpPr>
+      <p:sp>
+        <p:nvSpPr>
+          <p:cNvPr id="2" name="Title 1">
+            <a:extLst>
+              <a:ext uri="{FF2B5EF4-FFF2-40B4-BE49-F238E27FC236}">
+                <a16:creationId xmlns:a16="http://schemas.microsoft.com/office/drawing/2014/main" id="{D107ACC1-6D41-43C0-AF4B-4DEBCE0D2A4C}"/>
+              </a:ext>
+            </a:extLst>
+          </p:cNvPr>
+          <p:cNvSpPr>
+            <a:spLocks noGrp="1"/>
+          </p:cNvSpPr>
+          <p:nvPr>
+            <p:ph type="title"/>
+          </p:nvPr>
+        </p:nvSpPr>
+        <p:spPr/>
+        <p:txBody>
+          <a:bodyPr/>
+          <a:lstStyle/>
+          <a:p>
+            <a:r>
+              <a:rPr lang="vi-VN" b="0" i="0">
+                <a:effectLst/>
+                <a:latin typeface="Arial" panose="020B0604020202020204" pitchFamily="34" charset="0"/>
+              </a:rPr>
+              <a:t>Nhược điểm</a:t>
+            </a:r>
+            <a:endParaRPr lang="en-US"/>
+          </a:p>
+        </p:txBody>
+      </p:sp>
+      <p:sp>
+        <p:nvSpPr>
+          <p:cNvPr id="3" name="Content Placeholder 2">
+            <a:extLst>
+              <a:ext uri="{FF2B5EF4-FFF2-40B4-BE49-F238E27FC236}">
+                <a16:creationId xmlns:a16="http://schemas.microsoft.com/office/drawing/2014/main" id="{25ACC0B2-249F-4DB4-9ECC-61B2D389E954}"/>
+              </a:ext>
+            </a:extLst>
+          </p:cNvPr>
+          <p:cNvSpPr>
+            <a:spLocks noGrp="1"/>
+          </p:cNvSpPr>
+          <p:nvPr>
+            <p:ph idx="1"/>
+          </p:nvPr>
+        </p:nvSpPr>
+        <p:spPr/>
+        <p:txBody>
+          <a:bodyPr/>
+          <a:lstStyle/>
+          <a:p>
+            <a:r>
+              <a:rPr lang="vi-VN" b="0" i="0">
+                <a:effectLst/>
+                <a:latin typeface="Arial" panose="020B0604020202020204" pitchFamily="34" charset="0"/>
+              </a:rPr>
+              <a:t>Tốn nhiều bộ nhớ, khó thực hiện trên các mảng bé hơn 64KB</a:t>
+            </a:r>
+            <a:endParaRPr lang="en-US"/>
+          </a:p>
+        </p:txBody>
+      </p:sp>
+    </p:spTree>
+    <p:extLst>
+      <p:ext uri="{BB962C8B-B14F-4D97-AF65-F5344CB8AC3E}">
+        <p14:creationId xmlns:p14="http://schemas.microsoft.com/office/powerpoint/2010/main" val="3832538320"/>
+      </p:ext>
+    </p:extLst>
+  </p:cSld>
+  <p:clrMapOvr>
+    <a:masterClrMapping/>
+  </p:clrMapOvr>
+</p:sld>
+</file>
+
 <file path=ppt/slides/slide2.xml><?xml version="1.0" encoding="utf-8"?>
 <p:sld xmlns:a="http://schemas.openxmlformats.org/drawingml/2006/main" xmlns:r="http://schemas.openxmlformats.org/officeDocument/2006/relationships" xmlns:p="http://schemas.openxmlformats.org/presentationml/2006/main">
   <p:cSld>
@@ -7200,7 +7295,21 @@
                 <a:effectLst/>
                 <a:latin typeface="Arial" panose="020B0604020202020204" pitchFamily="34" charset="0"/>
               </a:rPr>
-              <a:t>Nếu lần sau gặp lại xâu kí tự đó, xâu kí tự sẽ được thay thế bằng token đã gán chonó.</a:t>
+              <a:t>Nếu lần sau gặp lại xâu kí tự đó, xâu kí tự sẽ được thay thế bằng token đã gán cho</a:t>
+            </a:r>
+            <a:r>
+              <a:rPr lang="en-US" b="0" i="0">
+                <a:effectLst/>
+                <a:latin typeface="Arial" panose="020B0604020202020204" pitchFamily="34" charset="0"/>
+              </a:rPr>
+              <a:t> </a:t>
+            </a:r>
+            <a:r>
+              <a:rPr lang="vi-VN" b="0" i="0">
+                <a:effectLst/>
+                <a:latin typeface="Arial" panose="020B0604020202020204" pitchFamily="34" charset="0"/>
+              </a:rPr>
+              <a:t>nó.</a:t>
             </a:r>
             <a:endParaRPr lang="en-US"/>
           </a:p>
@@ -7241,7 +7350,7 @@
           <p:cNvPr id="2" name="Title 1">
             <a:extLst>
               <a:ext uri="{FF2B5EF4-FFF2-40B4-BE49-F238E27FC236}">
-                <a16:creationId xmlns:a16="http://schemas.microsoft.com/office/drawing/2014/main" id="{65065D35-C53B-4EED-A0C1-3E9CD81FEAAB}"/>
+                <a16:creationId xmlns:a16="http://schemas.microsoft.com/office/drawing/2014/main" id="{0B998BAA-3909-4D98-8C01-320D4BE848D5}"/>
               </a:ext>
             </a:extLst>
           </p:cNvPr>
@@ -7252,7 +7361,12 @@
             <p:ph type="title"/>
           </p:nvPr>
         </p:nvSpPr>
-        <p:spPr/>
+        <p:spPr>
+          <a:xfrm>
+            <a:off x="677334" y="609600"/>
+            <a:ext cx="8596668" cy="879013"/>
+          </a:xfrm>
+        </p:spPr>
         <p:txBody>
           <a:bodyPr/>
           <a:lstStyle/>
@@ -7262,9 +7376,302 @@
                 <a:effectLst/>
                 <a:latin typeface="Arial" panose="020B0604020202020204" pitchFamily="34" charset="0"/>
               </a:rPr>
-              <a:t>Các Thành Phần</a:t>
+              <a:t>Mã hóa LZW</a:t>
             </a:r>
             <a:endParaRPr lang="en-US"/>
+          </a:p>
+        </p:txBody>
+      </p:sp>
+      <p:sp>
+        <p:nvSpPr>
+          <p:cNvPr id="3" name="Content Placeholder 2">
+            <a:extLst>
+              <a:ext uri="{FF2B5EF4-FFF2-40B4-BE49-F238E27FC236}">
+                <a16:creationId xmlns:a16="http://schemas.microsoft.com/office/drawing/2014/main" id="{CB73F4C5-31B2-4B72-A34F-6B7F103934D5}"/>
+              </a:ext>
+            </a:extLst>
+          </p:cNvPr>
+          <p:cNvSpPr>
+            <a:spLocks noGrp="1"/>
+          </p:cNvSpPr>
+          <p:nvPr>
+            <p:ph idx="1"/>
+          </p:nvPr>
+        </p:nvSpPr>
+        <p:spPr>
+          <a:xfrm>
+            <a:off x="677334" y="1488613"/>
+            <a:ext cx="8596668" cy="4988387"/>
+          </a:xfrm>
+        </p:spPr>
+        <p:txBody>
+          <a:bodyPr>
+            <a:noAutofit/>
+          </a:bodyPr>
+          <a:lstStyle/>
+          <a:p>
+            <a:pPr marL="0" indent="0">
+              <a:buNone/>
+            </a:pPr>
+            <a:r>
+              <a:rPr lang="en-US" sz="1400" b="0" i="0">
+                <a:effectLst/>
+                <a:latin typeface="Courier New" panose="02070309020205020404" pitchFamily="49" charset="0"/>
+              </a:rPr>
+              <a:t>read a character k //dòng 1</a:t>
+            </a:r>
+          </a:p>
+          <a:p>
+            <a:pPr marL="0" indent="0">
+              <a:buNone/>
+            </a:pPr>
+            <a:r>
+              <a:rPr lang="en-US" sz="1400" b="0" i="0">
+                <a:effectLst/>
+                <a:latin typeface="Courier New" panose="02070309020205020404" pitchFamily="49" charset="0"/>
+              </a:rPr>
+              <a:t>w = k; //dòng 2</a:t>
+            </a:r>
+          </a:p>
+          <a:p>
+            <a:pPr marL="0" indent="0">
+              <a:buNone/>
+            </a:pPr>
+            <a:r>
+              <a:rPr lang="en-US" sz="1400" b="0" i="0">
+                <a:effectLst/>
+                <a:latin typeface="Courier New" panose="02070309020205020404" pitchFamily="49" charset="0"/>
+              </a:rPr>
+              <a:t>while (read a character k ) //dòng 3</a:t>
+            </a:r>
+          </a:p>
+          <a:p>
+            <a:pPr marL="0" indent="0">
+              <a:buNone/>
+            </a:pPr>
+            <a:r>
+              <a:rPr lang="en-US" sz="1400">
+                <a:latin typeface="Courier New" panose="02070309020205020404" pitchFamily="49" charset="0"/>
+              </a:rPr>
+              <a:t>	{</a:t>
+            </a:r>
+          </a:p>
+          <a:p>
+            <a:pPr marL="857250" lvl="2" indent="0">
+              <a:buNone/>
+            </a:pPr>
+            <a:r>
+              <a:rPr lang="en-US" sz="1200" b="0" i="0">
+                <a:effectLst/>
+                <a:latin typeface="Courier New" panose="02070309020205020404" pitchFamily="49" charset="0"/>
+              </a:rPr>
+              <a:t>Wk = w+k //dòng 4</a:t>
+            </a:r>
+          </a:p>
+          <a:p>
+            <a:pPr marL="857250" lvl="2" indent="0">
+              <a:buNone/>
+            </a:pPr>
+            <a:r>
+              <a:rPr lang="en-US" sz="1200" b="0" i="0">
+                <a:effectLst/>
+                <a:latin typeface="Courier New" panose="02070309020205020404" pitchFamily="49" charset="0"/>
+              </a:rPr>
+              <a:t>if wk exists in the dictionary //dòng 5</a:t>
+            </a:r>
+          </a:p>
+          <a:p>
+            <a:pPr marL="857250" lvl="2" indent="0">
+              <a:buNone/>
+            </a:pPr>
+            <a:r>
+              <a:rPr lang="en-US" sz="1200">
+                <a:latin typeface="Courier New" panose="02070309020205020404" pitchFamily="49" charset="0"/>
+              </a:rPr>
+              <a:t>		</a:t>
+            </a:r>
+            <a:r>
+              <a:rPr lang="en-US" sz="1200" b="0" i="0">
+                <a:effectLst/>
+                <a:latin typeface="Courier New" panose="02070309020205020404" pitchFamily="49" charset="0"/>
+              </a:rPr>
+              <a:t>w = wk; //dòng 6</a:t>
+            </a:r>
+          </a:p>
+          <a:p>
+            <a:pPr marL="857250" lvl="2" indent="0">
+              <a:buNone/>
+            </a:pPr>
+            <a:r>
+              <a:rPr lang="en-US" sz="1200" b="0" i="0">
+                <a:effectLst/>
+                <a:latin typeface="Courier New" panose="02070309020205020404" pitchFamily="49" charset="0"/>
+              </a:rPr>
+              <a:t>Else //dòng 7</a:t>
+            </a:r>
+          </a:p>
+          <a:p>
+            <a:pPr marL="857250" lvl="2" indent="0">
+              <a:buNone/>
+            </a:pPr>
+            <a:r>
+              <a:rPr lang="en-US" sz="1200">
+                <a:latin typeface="Courier New" panose="02070309020205020404" pitchFamily="49" charset="0"/>
+              </a:rPr>
+              <a:t>		</a:t>
+            </a:r>
+            <a:r>
+              <a:rPr lang="en-US" sz="1200" b="0" i="0">
+                <a:effectLst/>
+                <a:latin typeface="Courier New" panose="02070309020205020404" pitchFamily="49" charset="0"/>
+              </a:rPr>
+              <a:t>add wk to the dictionary; //dòng 8</a:t>
+            </a:r>
+          </a:p>
+          <a:p>
+            <a:pPr marL="857250" lvl="2" indent="0">
+              <a:buNone/>
+            </a:pPr>
+            <a:r>
+              <a:rPr lang="en-US" sz="1200">
+                <a:latin typeface="Courier New" panose="02070309020205020404" pitchFamily="49" charset="0"/>
+              </a:rPr>
+              <a:t>		</a:t>
+            </a:r>
+            <a:r>
+              <a:rPr lang="en-US" sz="1200" b="0" i="0">
+                <a:effectLst/>
+                <a:latin typeface="Courier New" panose="02070309020205020404" pitchFamily="49" charset="0"/>
+              </a:rPr>
+              <a:t>if w </a:t>
+            </a:r>
+            <a:r>
+              <a:rPr lang="en-US" sz="1200">
+                <a:latin typeface="Courier New" panose="02070309020205020404" pitchFamily="49" charset="0"/>
+              </a:rPr>
+              <a:t>contains a character //dòng 9</a:t>
+            </a:r>
+          </a:p>
+          <a:p>
+            <a:pPr marL="857250" lvl="2" indent="0">
+              <a:buNone/>
+            </a:pPr>
+            <a:r>
+              <a:rPr lang="en-US" sz="1200">
+                <a:latin typeface="Courier New" panose="02070309020205020404" pitchFamily="49" charset="0"/>
+              </a:rPr>
+              <a:t>			output character //dòng 10</a:t>
+            </a:r>
+          </a:p>
+          <a:p>
+            <a:pPr marL="857250" lvl="2" indent="0">
+              <a:buNone/>
+            </a:pPr>
+            <a:r>
+              <a:rPr lang="en-US" sz="1200" b="0" i="0">
+                <a:effectLst/>
+                <a:latin typeface="Courier New" panose="02070309020205020404" pitchFamily="49" charset="0"/>
+              </a:rPr>
+              <a:t>		else //dòng 11</a:t>
+            </a:r>
+          </a:p>
+          <a:p>
+            <a:pPr marL="857250" lvl="2" indent="0">
+              <a:buNone/>
+            </a:pPr>
+            <a:r>
+              <a:rPr lang="en-US" sz="1200" b="0" i="0">
+                <a:effectLst/>
+                <a:latin typeface="Courier New" panose="02070309020205020404" pitchFamily="49" charset="0"/>
+              </a:rPr>
+              <a:t>			output the code for w; //dòng 12</a:t>
+            </a:r>
+          </a:p>
+          <a:p>
+            <a:pPr marL="857250" lvl="2" indent="0">
+              <a:buNone/>
+            </a:pPr>
+            <a:r>
+              <a:rPr lang="en-US" sz="1200" b="0" i="0">
+                <a:effectLst/>
+                <a:latin typeface="Courier New" panose="02070309020205020404" pitchFamily="49" charset="0"/>
+              </a:rPr>
+              <a:t>		w = k; //dòng 13</a:t>
+            </a:r>
+          </a:p>
+          <a:p>
+            <a:pPr marL="457200" lvl="1" indent="0">
+              <a:buNone/>
+            </a:pPr>
+            <a:r>
+              <a:rPr lang="en-US" sz="1400" b="0" i="0">
+                <a:effectLst/>
+                <a:latin typeface="Courier New" panose="02070309020205020404" pitchFamily="49" charset="0"/>
+              </a:rPr>
+              <a:t>}</a:t>
+            </a:r>
+            <a:br>
+              <a:rPr lang="en-US" sz="1400"/>
+            </a:br>
+            <a:endParaRPr lang="en-US" sz="1400"/>
+          </a:p>
+        </p:txBody>
+      </p:sp>
+    </p:spTree>
+    <p:extLst>
+      <p:ext uri="{BB962C8B-B14F-4D97-AF65-F5344CB8AC3E}">
+        <p14:creationId xmlns:p14="http://schemas.microsoft.com/office/powerpoint/2010/main" val="121909775"/>
+      </p:ext>
+    </p:extLst>
+  </p:cSld>
+  <p:clrMapOvr>
+    <a:masterClrMapping/>
+  </p:clrMapOvr>
+</p:sld>
+</file>
+
+<file path=ppt/slides/slide6.xml><?xml version="1.0" encoding="utf-8"?>
+<p:sld xmlns:a="http://schemas.openxmlformats.org/drawingml/2006/main" xmlns:r="http://schemas.openxmlformats.org/officeDocument/2006/relationships" xmlns:p="http://schemas.openxmlformats.org/presentationml/2006/main">
+  <p:cSld>
+    <p:spTree>
+      <p:nvGrpSpPr>
+        <p:cNvPr id="1" name=""/>
+        <p:cNvGrpSpPr/>
+        <p:nvPr/>
+      </p:nvGrpSpPr>
+      <p:grpSpPr>
+        <a:xfrm>
+          <a:off x="0" y="0"/>
+          <a:ext cx="0" cy="0"/>
+          <a:chOff x="0" y="0"/>
+          <a:chExt cx="0" cy="0"/>
+        </a:xfrm>
+      </p:grpSpPr>
+      <p:sp>
+        <p:nvSpPr>
+          <p:cNvPr id="2" name="Title 1">
+            <a:extLst>
+              <a:ext uri="{FF2B5EF4-FFF2-40B4-BE49-F238E27FC236}">
+                <a16:creationId xmlns:a16="http://schemas.microsoft.com/office/drawing/2014/main" id="{DE5FF60B-86C7-4594-B02C-E8166163C080}"/>
+              </a:ext>
+            </a:extLst>
+          </p:cNvPr>
+          <p:cNvSpPr>
+            <a:spLocks noGrp="1"/>
+          </p:cNvSpPr>
+          <p:nvPr>
+            <p:ph type="title"/>
+          </p:nvPr>
+        </p:nvSpPr>
+        <p:spPr/>
+        <p:txBody>
+          <a:bodyPr/>
+          <a:lstStyle/>
+          <a:p>
+            <a:r>
+              <a:rPr lang="en-US"/>
+              <a:t>Ví dụ mã hóa chuỗi “booop”</a:t>
+            </a:r>
           </a:p>
         </p:txBody>
       </p:sp>
@@ -7273,7 +7680,7 @@
           <p:cNvPr id="4" name="Table 4">
             <a:extLst>
               <a:ext uri="{FF2B5EF4-FFF2-40B4-BE49-F238E27FC236}">
-                <a16:creationId xmlns:a16="http://schemas.microsoft.com/office/drawing/2014/main" id="{A3090A5D-A317-4D70-8AE6-A36C7B8F0983}"/>
+                <a16:creationId xmlns:a16="http://schemas.microsoft.com/office/drawing/2014/main" id="{A5B2F470-0BDA-49AA-8524-A840F4642E9B}"/>
               </a:ext>
             </a:extLst>
           </p:cNvPr>
@@ -7284,14 +7691,14 @@
             <p:ph idx="1"/>
             <p:extLst>
               <p:ext uri="{D42A27DB-BD31-4B8C-83A1-F6EECF244321}">
-                <p14:modId xmlns:p14="http://schemas.microsoft.com/office/powerpoint/2010/main" val="3629677008"/>
+                <p14:modId xmlns:p14="http://schemas.microsoft.com/office/powerpoint/2010/main" val="2894047007"/>
               </p:ext>
             </p:extLst>
           </p:nvPr>
         </p:nvGraphicFramePr>
         <p:xfrm>
-          <a:off x="449263" y="2686368"/>
-          <a:ext cx="8596310" cy="731520"/>
+          <a:off x="725714" y="2160588"/>
+          <a:ext cx="8548461" cy="2966720"/>
         </p:xfrm>
         <a:graphic>
           <a:graphicData uri="http://schemas.openxmlformats.org/drawingml/2006/table">
@@ -7300,43 +7707,36 @@
                 <a:tableStyleId>{5C22544A-7EE6-4342-B048-85BDC9FD1C3A}</a:tableStyleId>
               </a:tblPr>
               <a:tblGrid>
-                <a:gridCol w="1719262">
+                <a:gridCol w="2101227">
                   <a:extLst>
                     <a:ext uri="{9D8B030D-6E8A-4147-A177-3AD203B41FA5}">
-                      <a16:colId xmlns:a16="http://schemas.microsoft.com/office/drawing/2014/main" val="299607840"/>
+                      <a16:colId xmlns:a16="http://schemas.microsoft.com/office/drawing/2014/main" val="1069155220"/>
                     </a:ext>
                   </a:extLst>
                 </a:gridCol>
-                <a:gridCol w="1719262">
+                <a:gridCol w="2149078">
                   <a:extLst>
                     <a:ext uri="{9D8B030D-6E8A-4147-A177-3AD203B41FA5}">
-                      <a16:colId xmlns:a16="http://schemas.microsoft.com/office/drawing/2014/main" val="2461313524"/>
+                      <a16:colId xmlns:a16="http://schemas.microsoft.com/office/drawing/2014/main" val="3495079159"/>
                     </a:ext>
                   </a:extLst>
                 </a:gridCol>
-                <a:gridCol w="1719262">
+                <a:gridCol w="2186781">
                   <a:extLst>
                     <a:ext uri="{9D8B030D-6E8A-4147-A177-3AD203B41FA5}">
-                      <a16:colId xmlns:a16="http://schemas.microsoft.com/office/drawing/2014/main" val="216324441"/>
+                      <a16:colId xmlns:a16="http://schemas.microsoft.com/office/drawing/2014/main" val="3521333189"/>
                     </a:ext>
                   </a:extLst>
                 </a:gridCol>
-                <a:gridCol w="1719262">
+                <a:gridCol w="2111375">
                   <a:extLst>
                     <a:ext uri="{9D8B030D-6E8A-4147-A177-3AD203B41FA5}">
-                      <a16:colId xmlns:a16="http://schemas.microsoft.com/office/drawing/2014/main" val="2508967680"/>
-                    </a:ext>
-                  </a:extLst>
-                </a:gridCol>
-                <a:gridCol w="1719262">
-                  <a:extLst>
-                    <a:ext uri="{9D8B030D-6E8A-4147-A177-3AD203B41FA5}">
-                      <a16:colId xmlns:a16="http://schemas.microsoft.com/office/drawing/2014/main" val="2748073315"/>
+                      <a16:colId xmlns:a16="http://schemas.microsoft.com/office/drawing/2014/main" val="1350536466"/>
                     </a:ext>
                   </a:extLst>
                 </a:gridCol>
               </a:tblGrid>
-              <a:tr h="202406">
+              <a:tr h="370840">
                 <a:tc>
                   <a:txBody>
                     <a:bodyPr/>
@@ -7344,7 +7744,7 @@
                     <a:p>
                       <a:r>
                         <a:rPr lang="en-US"/>
-                        <a:t>STT</a:t>
+                        <a:t>w</a:t>
                       </a:r>
                     </a:p>
                   </a:txBody>
@@ -7357,7 +7757,7 @@
                     <a:p>
                       <a:r>
                         <a:rPr lang="en-US"/>
-                        <a:t>Bộ đệm chưa</a:t>
+                        <a:t>k</a:t>
                       </a:r>
                     </a:p>
                   </a:txBody>
@@ -7370,7 +7770,7 @@
                     <a:p>
                       <a:r>
                         <a:rPr lang="en-US"/>
-                        <a:t>Dữ Liệu Vào</a:t>
+                        <a:t>output</a:t>
                       </a:r>
                     </a:p>
                   </a:txBody>
@@ -7383,20 +7783,7 @@
                     <a:p>
                       <a:r>
                         <a:rPr lang="en-US"/>
-                        <a:t>Dữ Liệu Ra</a:t>
-                      </a:r>
-                    </a:p>
-                  </a:txBody>
-                  <a:tcPr/>
-                </a:tc>
-                <a:tc>
-                  <a:txBody>
-                    <a:bodyPr/>
-                    <a:lstStyle/>
-                    <a:p>
-                      <a:r>
-                        <a:rPr lang="en-US"/>
-                        <a:t>Từ điển</a:t>
+                        <a:t>dictionary</a:t>
                       </a:r>
                     </a:p>
                   </a:txBody>
@@ -7404,11 +7791,11 @@
                 </a:tc>
                 <a:extLst>
                   <a:ext uri="{0D108BD9-81ED-4DB2-BD59-A6C34878D82A}">
-                    <a16:rowId xmlns:a16="http://schemas.microsoft.com/office/drawing/2014/main" val="1518669247"/>
+                    <a16:rowId xmlns:a16="http://schemas.microsoft.com/office/drawing/2014/main" val="1140208912"/>
                   </a:ext>
                 </a:extLst>
               </a:tr>
-              <a:tr h="202406">
+              <a:tr h="370840">
                 <a:tc>
                   <a:txBody>
                     <a:bodyPr/>
@@ -7424,17 +7811,10 @@
                     <a:bodyPr/>
                     <a:lstStyle/>
                     <a:p>
-                      <a:endParaRPr lang="en-US"/>
-                    </a:p>
-                  </a:txBody>
-                  <a:tcPr/>
-                </a:tc>
-                <a:tc>
-                  <a:txBody>
-                    <a:bodyPr/>
-                    <a:lstStyle/>
-                    <a:p>
-                      <a:endParaRPr lang="en-US"/>
+                      <a:r>
+                        <a:rPr lang="en-US"/>
+                        <a:t>b</a:t>
+                      </a:r>
                     </a:p>
                   </a:txBody>
                   <a:tcPr/>
@@ -7461,7 +7841,358 @@
                 </a:tc>
                 <a:extLst>
                   <a:ext uri="{0D108BD9-81ED-4DB2-BD59-A6C34878D82A}">
-                    <a16:rowId xmlns:a16="http://schemas.microsoft.com/office/drawing/2014/main" val="193964275"/>
+                    <a16:rowId xmlns:a16="http://schemas.microsoft.com/office/drawing/2014/main" val="2207628866"/>
+                  </a:ext>
+                </a:extLst>
+              </a:tr>
+              <a:tr h="370840">
+                <a:tc>
+                  <a:txBody>
+                    <a:bodyPr/>
+                    <a:lstStyle/>
+                    <a:p>
+                      <a:r>
+                        <a:rPr lang="en-US"/>
+                        <a:t>b</a:t>
+                      </a:r>
+                    </a:p>
+                  </a:txBody>
+                  <a:tcPr/>
+                </a:tc>
+                <a:tc>
+                  <a:txBody>
+                    <a:bodyPr/>
+                    <a:lstStyle/>
+                    <a:p>
+                      <a:r>
+                        <a:rPr lang="en-US"/>
+                        <a:t>o</a:t>
+                      </a:r>
+                    </a:p>
+                  </a:txBody>
+                  <a:tcPr/>
+                </a:tc>
+                <a:tc>
+                  <a:txBody>
+                    <a:bodyPr/>
+                    <a:lstStyle/>
+                    <a:p>
+                      <a:r>
+                        <a:rPr lang="en-US"/>
+                        <a:t>b</a:t>
+                      </a:r>
+                    </a:p>
+                  </a:txBody>
+                  <a:tcPr/>
+                </a:tc>
+                <a:tc>
+                  <a:txBody>
+                    <a:bodyPr/>
+                    <a:lstStyle/>
+                    <a:p>
+                      <a:r>
+                        <a:rPr lang="en-US"/>
+                        <a:t>bo=&lt;256&gt;</a:t>
+                      </a:r>
+                    </a:p>
+                  </a:txBody>
+                  <a:tcPr/>
+                </a:tc>
+                <a:extLst>
+                  <a:ext uri="{0D108BD9-81ED-4DB2-BD59-A6C34878D82A}">
+                    <a16:rowId xmlns:a16="http://schemas.microsoft.com/office/drawing/2014/main" val="2398266454"/>
+                  </a:ext>
+                </a:extLst>
+              </a:tr>
+              <a:tr h="370840">
+                <a:tc>
+                  <a:txBody>
+                    <a:bodyPr/>
+                    <a:lstStyle/>
+                    <a:p>
+                      <a:r>
+                        <a:rPr lang="en-US"/>
+                        <a:t>o</a:t>
+                      </a:r>
+                    </a:p>
+                  </a:txBody>
+                  <a:tcPr/>
+                </a:tc>
+                <a:tc>
+                  <a:txBody>
+                    <a:bodyPr/>
+                    <a:lstStyle/>
+                    <a:p>
+                      <a:r>
+                        <a:rPr lang="en-US"/>
+                        <a:t>o</a:t>
+                      </a:r>
+                    </a:p>
+                  </a:txBody>
+                  <a:tcPr/>
+                </a:tc>
+                <a:tc>
+                  <a:txBody>
+                    <a:bodyPr/>
+                    <a:lstStyle/>
+                    <a:p>
+                      <a:r>
+                        <a:rPr lang="en-US"/>
+                        <a:t>o</a:t>
+                      </a:r>
+                    </a:p>
+                  </a:txBody>
+                  <a:tcPr/>
+                </a:tc>
+                <a:tc>
+                  <a:txBody>
+                    <a:bodyPr/>
+                    <a:lstStyle/>
+                    <a:p>
+                      <a:r>
+                        <a:rPr lang="en-US"/>
+                        <a:t>oo=&lt;257&gt;</a:t>
+                      </a:r>
+                    </a:p>
+                  </a:txBody>
+                  <a:tcPr/>
+                </a:tc>
+                <a:extLst>
+                  <a:ext uri="{0D108BD9-81ED-4DB2-BD59-A6C34878D82A}">
+                    <a16:rowId xmlns:a16="http://schemas.microsoft.com/office/drawing/2014/main" val="2585516489"/>
+                  </a:ext>
+                </a:extLst>
+              </a:tr>
+              <a:tr h="370840">
+                <a:tc>
+                  <a:txBody>
+                    <a:bodyPr/>
+                    <a:lstStyle/>
+                    <a:p>
+                      <a:r>
+                        <a:rPr lang="en-US"/>
+                        <a:t>o</a:t>
+                      </a:r>
+                    </a:p>
+                  </a:txBody>
+                  <a:tcPr/>
+                </a:tc>
+                <a:tc>
+                  <a:txBody>
+                    <a:bodyPr/>
+                    <a:lstStyle/>
+                    <a:p>
+                      <a:r>
+                        <a:rPr lang="en-US"/>
+                        <a:t>o</a:t>
+                      </a:r>
+                    </a:p>
+                  </a:txBody>
+                  <a:tcPr/>
+                </a:tc>
+                <a:tc>
+                  <a:txBody>
+                    <a:bodyPr/>
+                    <a:lstStyle/>
+                    <a:p>
+                      <a:r>
+                        <a:rPr lang="en-US"/>
+                        <a:t>-</a:t>
+                      </a:r>
+                    </a:p>
+                  </a:txBody>
+                  <a:tcPr/>
+                </a:tc>
+                <a:tc>
+                  <a:txBody>
+                    <a:bodyPr/>
+                    <a:lstStyle/>
+                    <a:p>
+                      <a:endParaRPr lang="en-US"/>
+                    </a:p>
+                  </a:txBody>
+                  <a:tcPr/>
+                </a:tc>
+                <a:extLst>
+                  <a:ext uri="{0D108BD9-81ED-4DB2-BD59-A6C34878D82A}">
+                    <a16:rowId xmlns:a16="http://schemas.microsoft.com/office/drawing/2014/main" val="3727614098"/>
+                  </a:ext>
+                </a:extLst>
+              </a:tr>
+              <a:tr h="370840">
+                <a:tc>
+                  <a:txBody>
+                    <a:bodyPr/>
+                    <a:lstStyle/>
+                    <a:p>
+                      <a:r>
+                        <a:rPr lang="en-US"/>
+                        <a:t>oo</a:t>
+                      </a:r>
+                    </a:p>
+                  </a:txBody>
+                  <a:tcPr/>
+                </a:tc>
+                <a:tc>
+                  <a:txBody>
+                    <a:bodyPr/>
+                    <a:lstStyle/>
+                    <a:p>
+                      <a:r>
+                        <a:rPr lang="en-US"/>
+                        <a:t>p</a:t>
+                      </a:r>
+                    </a:p>
+                  </a:txBody>
+                  <a:tcPr/>
+                </a:tc>
+                <a:tc>
+                  <a:txBody>
+                    <a:bodyPr/>
+                    <a:lstStyle/>
+                    <a:p>
+                      <a:r>
+                        <a:rPr lang="en-US"/>
+                        <a:t>&lt;257&gt;</a:t>
+                      </a:r>
+                    </a:p>
+                  </a:txBody>
+                  <a:tcPr/>
+                </a:tc>
+                <a:tc>
+                  <a:txBody>
+                    <a:bodyPr/>
+                    <a:lstStyle/>
+                    <a:p>
+                      <a:r>
+                        <a:rPr lang="en-US"/>
+                        <a:t>oop=&lt;258&gt;</a:t>
+                      </a:r>
+                    </a:p>
+                  </a:txBody>
+                  <a:tcPr/>
+                </a:tc>
+                <a:extLst>
+                  <a:ext uri="{0D108BD9-81ED-4DB2-BD59-A6C34878D82A}">
+                    <a16:rowId xmlns:a16="http://schemas.microsoft.com/office/drawing/2014/main" val="2063332001"/>
+                  </a:ext>
+                </a:extLst>
+              </a:tr>
+              <a:tr h="370840">
+                <a:tc>
+                  <a:txBody>
+                    <a:bodyPr/>
+                    <a:lstStyle/>
+                    <a:p>
+                      <a:r>
+                        <a:rPr lang="en-US"/>
+                        <a:t>p</a:t>
+                      </a:r>
+                    </a:p>
+                  </a:txBody>
+                  <a:tcPr/>
+                </a:tc>
+                <a:tc>
+                  <a:txBody>
+                    <a:bodyPr/>
+                    <a:lstStyle/>
+                    <a:p>
+                      <a:r>
+                        <a:rPr lang="en-US"/>
+                        <a:t>-</a:t>
+                      </a:r>
+                    </a:p>
+                  </a:txBody>
+                  <a:tcPr/>
+                </a:tc>
+                <a:tc>
+                  <a:txBody>
+                    <a:bodyPr/>
+                    <a:lstStyle/>
+                    <a:p>
+                      <a:r>
+                        <a:rPr lang="en-US"/>
+                        <a:t>p</a:t>
+                      </a:r>
+                    </a:p>
+                  </a:txBody>
+                  <a:tcPr/>
+                </a:tc>
+                <a:tc>
+                  <a:txBody>
+                    <a:bodyPr/>
+                    <a:lstStyle/>
+                    <a:p>
+                      <a:r>
+                        <a:rPr lang="en-US"/>
+                        <a:t>p=&lt;259&gt;</a:t>
+                      </a:r>
+                    </a:p>
+                  </a:txBody>
+                  <a:tcPr/>
+                </a:tc>
+                <a:extLst>
+                  <a:ext uri="{0D108BD9-81ED-4DB2-BD59-A6C34878D82A}">
+                    <a16:rowId xmlns:a16="http://schemas.microsoft.com/office/drawing/2014/main" val="3153145310"/>
+                  </a:ext>
+                </a:extLst>
+              </a:tr>
+              <a:tr h="370840">
+                <a:tc>
+                  <a:txBody>
+                    <a:bodyPr/>
+                    <a:lstStyle/>
+                    <a:p>
+                      <a:r>
+                        <a:rPr lang="en-US"/>
+                        <a:t>-</a:t>
+                      </a:r>
+                    </a:p>
+                  </a:txBody>
+                  <a:tcPr/>
+                </a:tc>
+                <a:tc>
+                  <a:txBody>
+                    <a:bodyPr/>
+                    <a:lstStyle/>
+                    <a:p>
+                      <a:r>
+                        <a:rPr lang="en-US"/>
+                        <a:t>-</a:t>
+                      </a:r>
+                    </a:p>
+                  </a:txBody>
+                  <a:tcPr/>
+                </a:tc>
+                <a:tc>
+                  <a:txBody>
+                    <a:bodyPr/>
+                    <a:lstStyle/>
+                    <a:p>
+                      <a:r>
+                        <a:rPr lang="en-US"/>
+                        <a:t>-</a:t>
+                      </a:r>
+                    </a:p>
+                  </a:txBody>
+                  <a:tcPr/>
+                </a:tc>
+                <a:tc>
+                  <a:txBody>
+                    <a:bodyPr/>
+                    <a:lstStyle/>
+                    <a:p>
+                      <a:r>
+                        <a:rPr lang="en-US"/>
+                        <a:t>-</a:t>
+                      </a:r>
+                    </a:p>
+                  </a:txBody>
+                  <a:tcPr/>
+                </a:tc>
+                <a:extLst>
+                  <a:ext uri="{0D108BD9-81ED-4DB2-BD59-A6C34878D82A}">
+                    <a16:rowId xmlns:a16="http://schemas.microsoft.com/office/drawing/2014/main" val="1647772232"/>
                   </a:ext>
                 </a:extLst>
               </a:tr>
@@ -7472,304 +8203,7 @@
     </p:spTree>
     <p:extLst>
       <p:ext uri="{BB962C8B-B14F-4D97-AF65-F5344CB8AC3E}">
-        <p14:creationId xmlns:p14="http://schemas.microsoft.com/office/powerpoint/2010/main" val="2884128996"/>
-      </p:ext>
-    </p:extLst>
-  </p:cSld>
-  <p:clrMapOvr>
-    <a:masterClrMapping/>
-  </p:clrMapOvr>
-</p:sld>
-</file>
-
-<file path=ppt/slides/slide6.xml><?xml version="1.0" encoding="utf-8"?>
-<p:sld xmlns:a="http://schemas.openxmlformats.org/drawingml/2006/main" xmlns:r="http://schemas.openxmlformats.org/officeDocument/2006/relationships" xmlns:p="http://schemas.openxmlformats.org/presentationml/2006/main">
-  <p:cSld>
-    <p:spTree>
-      <p:nvGrpSpPr>
-        <p:cNvPr id="1" name=""/>
-        <p:cNvGrpSpPr/>
-        <p:nvPr/>
-      </p:nvGrpSpPr>
-      <p:grpSpPr>
-        <a:xfrm>
-          <a:off x="0" y="0"/>
-          <a:ext cx="0" cy="0"/>
-          <a:chOff x="0" y="0"/>
-          <a:chExt cx="0" cy="0"/>
-        </a:xfrm>
-      </p:grpSpPr>
-      <p:sp>
-        <p:nvSpPr>
-          <p:cNvPr id="2" name="Title 1">
-            <a:extLst>
-              <a:ext uri="{FF2B5EF4-FFF2-40B4-BE49-F238E27FC236}">
-                <a16:creationId xmlns:a16="http://schemas.microsoft.com/office/drawing/2014/main" id="{0B998BAA-3909-4D98-8C01-320D4BE848D5}"/>
-              </a:ext>
-            </a:extLst>
-          </p:cNvPr>
-          <p:cNvSpPr>
-            <a:spLocks noGrp="1"/>
-          </p:cNvSpPr>
-          <p:nvPr>
-            <p:ph type="title"/>
-          </p:nvPr>
-        </p:nvSpPr>
-        <p:spPr/>
-        <p:txBody>
-          <a:bodyPr/>
-          <a:lstStyle/>
-          <a:p>
-            <a:r>
-              <a:rPr lang="en-US" b="0" i="0">
-                <a:effectLst/>
-                <a:latin typeface="Arial" panose="020B0604020202020204" pitchFamily="34" charset="0"/>
-              </a:rPr>
-              <a:t>Mã hóa LZW</a:t>
-            </a:r>
-            <a:endParaRPr lang="en-US"/>
-          </a:p>
-        </p:txBody>
-      </p:sp>
-      <p:sp>
-        <p:nvSpPr>
-          <p:cNvPr id="3" name="Content Placeholder 2">
-            <a:extLst>
-              <a:ext uri="{FF2B5EF4-FFF2-40B4-BE49-F238E27FC236}">
-                <a16:creationId xmlns:a16="http://schemas.microsoft.com/office/drawing/2014/main" id="{CB73F4C5-31B2-4B72-A34F-6B7F103934D5}"/>
-              </a:ext>
-            </a:extLst>
-          </p:cNvPr>
-          <p:cNvSpPr>
-            <a:spLocks noGrp="1"/>
-          </p:cNvSpPr>
-          <p:nvPr>
-            <p:ph idx="1"/>
-          </p:nvPr>
-        </p:nvSpPr>
-        <p:spPr>
-          <a:xfrm>
-            <a:off x="677334" y="1488613"/>
-            <a:ext cx="8596668" cy="3880773"/>
-          </a:xfrm>
-        </p:spPr>
-        <p:txBody>
-          <a:bodyPr>
-            <a:normAutofit fontScale="62500" lnSpcReduction="20000"/>
-          </a:bodyPr>
-          <a:lstStyle/>
-          <a:p>
-            <a:pPr marL="0" indent="0">
-              <a:buNone/>
-            </a:pPr>
-            <a:r>
-              <a:rPr lang="en-US" b="0" i="0">
-                <a:effectLst/>
-                <a:latin typeface="Courier New" panose="02070309020205020404" pitchFamily="49" charset="0"/>
-              </a:rPr>
-              <a:t>read a character k //dòng 1</a:t>
-            </a:r>
-          </a:p>
-          <a:p>
-            <a:pPr marL="0" indent="0">
-              <a:buNone/>
-            </a:pPr>
-            <a:r>
-              <a:rPr lang="en-US" b="0" i="0">
-                <a:effectLst/>
-                <a:latin typeface="Courier New" panose="02070309020205020404" pitchFamily="49" charset="0"/>
-              </a:rPr>
-              <a:t>w = k; //dòng 2</a:t>
-            </a:r>
-          </a:p>
-          <a:p>
-            <a:pPr marL="0" indent="0">
-              <a:buNone/>
-            </a:pPr>
-            <a:r>
-              <a:rPr lang="en-US" b="0" i="0">
-                <a:effectLst/>
-                <a:latin typeface="Courier New" panose="02070309020205020404" pitchFamily="49" charset="0"/>
-              </a:rPr>
-              <a:t>while (read a character k ) //dòng 3</a:t>
-            </a:r>
-          </a:p>
-          <a:p>
-            <a:pPr marL="457200" lvl="1" indent="0">
-              <a:buNone/>
-            </a:pPr>
-            <a:r>
-              <a:rPr lang="en-US">
-                <a:latin typeface="Courier New" panose="02070309020205020404" pitchFamily="49" charset="0"/>
-              </a:rPr>
-              <a:t>{</a:t>
-            </a:r>
-          </a:p>
-          <a:p>
-            <a:pPr marL="457200" lvl="1" indent="0">
-              <a:buNone/>
-            </a:pPr>
-            <a:r>
-              <a:rPr lang="en-US" b="0" i="0">
-                <a:effectLst/>
-                <a:latin typeface="Courier New" panose="02070309020205020404" pitchFamily="49" charset="0"/>
-              </a:rPr>
-              <a:t>wk=w+k //dòng 4</a:t>
-            </a:r>
-          </a:p>
-          <a:p>
-            <a:pPr marL="457200" lvl="1" indent="0">
-              <a:buNone/>
-            </a:pPr>
-            <a:r>
-              <a:rPr lang="en-US" b="0" i="0">
-                <a:effectLst/>
-                <a:latin typeface="Courier New" panose="02070309020205020404" pitchFamily="49" charset="0"/>
-              </a:rPr>
-              <a:t>if wk exists in the dictionary //dòng 5</a:t>
-            </a:r>
-          </a:p>
-          <a:p>
-            <a:pPr marL="457200" lvl="1" indent="0">
-              <a:buNone/>
-            </a:pPr>
-            <a:r>
-              <a:rPr lang="en-US">
-                <a:latin typeface="Courier New" panose="02070309020205020404" pitchFamily="49" charset="0"/>
-              </a:rPr>
-              <a:t>	</a:t>
-            </a:r>
-            <a:r>
-              <a:rPr lang="en-US" b="0" i="0">
-                <a:effectLst/>
-                <a:latin typeface="Courier New" panose="02070309020205020404" pitchFamily="49" charset="0"/>
-              </a:rPr>
-              <a:t>w = wk; //dòng 6</a:t>
-            </a:r>
-          </a:p>
-          <a:p>
-            <a:pPr marL="457200" lvl="1" indent="0">
-              <a:buNone/>
-            </a:pPr>
-            <a:r>
-              <a:rPr lang="en-US" b="0" i="0">
-                <a:effectLst/>
-                <a:latin typeface="Courier New" panose="02070309020205020404" pitchFamily="49" charset="0"/>
-              </a:rPr>
-              <a:t>Else //dòng 7</a:t>
-            </a:r>
-          </a:p>
-          <a:p>
-            <a:pPr marL="457200" lvl="1" indent="0">
-              <a:buNone/>
-            </a:pPr>
-            <a:r>
-              <a:rPr lang="en-US">
-                <a:latin typeface="Courier New" panose="02070309020205020404" pitchFamily="49" charset="0"/>
-              </a:rPr>
-              <a:t>	</a:t>
-            </a:r>
-            <a:r>
-              <a:rPr lang="en-US" b="0" i="0">
-                <a:effectLst/>
-                <a:latin typeface="Courier New" panose="02070309020205020404" pitchFamily="49" charset="0"/>
-              </a:rPr>
-              <a:t>add wk to the dictionary; //dòng )</a:t>
-            </a:r>
-          </a:p>
-          <a:p>
-            <a:pPr marL="457200" lvl="1" indent="0">
-              <a:buNone/>
-            </a:pPr>
-            <a:r>
-              <a:rPr lang="en-US">
-                <a:latin typeface="Courier New" panose="02070309020205020404" pitchFamily="49" charset="0"/>
-              </a:rPr>
-              <a:t>	</a:t>
-            </a:r>
-            <a:r>
-              <a:rPr lang="en-US" b="0" i="0">
-                <a:effectLst/>
-                <a:latin typeface="Courier New" panose="02070309020205020404" pitchFamily="49" charset="0"/>
-              </a:rPr>
-              <a:t>if w 	</a:t>
-            </a:r>
-            <a:r>
-              <a:rPr lang="en-US">
-                <a:latin typeface="Courier New" panose="02070309020205020404" pitchFamily="49" charset="0"/>
-              </a:rPr>
-              <a:t>elsecontains a character //dòng 9</a:t>
-            </a:r>
-          </a:p>
-          <a:p>
-            <a:pPr marL="457200" lvl="1" indent="0">
-              <a:buNone/>
-            </a:pPr>
-            <a:r>
-              <a:rPr lang="en-US">
-                <a:latin typeface="Courier New" panose="02070309020205020404" pitchFamily="49" charset="0"/>
-              </a:rPr>
-              <a:t>		output character //dòng 10</a:t>
-            </a:r>
-          </a:p>
-          <a:p>
-            <a:pPr marL="457200" lvl="1" indent="0">
-              <a:buNone/>
-            </a:pPr>
-            <a:r>
-              <a:rPr lang="en-US" b="0" i="0">
-                <a:effectLst/>
-                <a:latin typeface="Courier New" panose="02070309020205020404" pitchFamily="49" charset="0"/>
-              </a:rPr>
-              <a:t>	else //dòng 11</a:t>
-            </a:r>
-          </a:p>
-          <a:p>
-            <a:pPr marL="457200" lvl="1" indent="0">
-              <a:buNone/>
-            </a:pPr>
-            <a:r>
-              <a:rPr lang="en-US" b="0" i="0">
-                <a:effectLst/>
-                <a:latin typeface="Courier New" panose="02070309020205020404" pitchFamily="49" charset="0"/>
-              </a:rPr>
-              <a:t>		output the code for w; //dòng 12</a:t>
-            </a:r>
-          </a:p>
-          <a:p>
-            <a:pPr marL="457200" lvl="1" indent="0">
-              <a:buNone/>
-            </a:pPr>
-            <a:r>
-              <a:rPr lang="en-US" b="0" i="0">
-                <a:effectLst/>
-                <a:latin typeface="Courier New" panose="02070309020205020404" pitchFamily="49" charset="0"/>
-              </a:rPr>
-              <a:t>	w = k; //dòng 13</a:t>
-            </a:r>
-          </a:p>
-          <a:p>
-            <a:pPr marL="457200" lvl="1" indent="0">
-              <a:buNone/>
-            </a:pPr>
-            <a:r>
-              <a:rPr lang="en-US" b="0" i="0">
-                <a:effectLst/>
-                <a:latin typeface="Courier New" panose="02070309020205020404" pitchFamily="49" charset="0"/>
-              </a:rPr>
-              <a:t>}</a:t>
-            </a:r>
-            <a:br>
-              <a:rPr lang="en-US"/>
-            </a:br>
-            <a:endParaRPr lang="en-US"/>
-          </a:p>
-        </p:txBody>
-      </p:sp>
-    </p:spTree>
-    <p:extLst>
-      <p:ext uri="{BB962C8B-B14F-4D97-AF65-F5344CB8AC3E}">
-        <p14:creationId xmlns:p14="http://schemas.microsoft.com/office/powerpoint/2010/main" val="121909775"/>
+        <p14:creationId xmlns:p14="http://schemas.microsoft.com/office/powerpoint/2010/main" val="3655387022"/>
       </p:ext>
     </p:extLst>
   </p:cSld>
@@ -7812,7 +8246,12 @@
             <p:ph type="title"/>
           </p:nvPr>
         </p:nvSpPr>
-        <p:spPr/>
+        <p:spPr>
+          <a:xfrm>
+            <a:off x="484151" y="248992"/>
+            <a:ext cx="8596668" cy="1320800"/>
+          </a:xfrm>
+        </p:spPr>
         <p:txBody>
           <a:bodyPr/>
           <a:lstStyle/>
@@ -7846,7 +8285,7 @@
         </p:nvSpPr>
         <p:spPr>
           <a:xfrm>
-            <a:off x="677334" y="1428751"/>
+            <a:off x="484151" y="1042385"/>
             <a:ext cx="10428816" cy="5429250"/>
           </a:xfrm>
         </p:spPr>
@@ -8103,7 +8542,7 @@
           <p:cNvPr id="2" name="Title 1">
             <a:extLst>
               <a:ext uri="{FF2B5EF4-FFF2-40B4-BE49-F238E27FC236}">
-                <a16:creationId xmlns:a16="http://schemas.microsoft.com/office/drawing/2014/main" id="{C4AA2982-4329-498E-8E81-05772AD57392}"/>
+                <a16:creationId xmlns:a16="http://schemas.microsoft.com/office/drawing/2014/main" id="{D0E51AF7-558C-4748-BA9D-6EB5D76294A8}"/>
               </a:ext>
             </a:extLst>
           </p:cNvPr>
@@ -8114,113 +8553,527 @@
             <p:ph type="title"/>
           </p:nvPr>
         </p:nvSpPr>
-        <p:spPr/>
+        <p:spPr>
+          <a:xfrm>
+            <a:off x="482600" y="609600"/>
+            <a:ext cx="8596668" cy="1320800"/>
+          </a:xfrm>
+        </p:spPr>
         <p:txBody>
           <a:bodyPr/>
           <a:lstStyle/>
           <a:p>
             <a:r>
               <a:rPr lang="en-US"/>
-              <a:t>Ưu Điểm</a:t>
-            </a:r>
-          </a:p>
-        </p:txBody>
-      </p:sp>
-      <p:sp>
-        <p:nvSpPr>
-          <p:cNvPr id="3" name="Content Placeholder 2">
+              <a:t>Ví dụ giải mã “bo&lt;257&gt;p”</a:t>
+            </a:r>
+          </a:p>
+        </p:txBody>
+      </p:sp>
+      <p:graphicFrame>
+        <p:nvGraphicFramePr>
+          <p:cNvPr id="4" name="Table 4">
             <a:extLst>
               <a:ext uri="{FF2B5EF4-FFF2-40B4-BE49-F238E27FC236}">
-                <a16:creationId xmlns:a16="http://schemas.microsoft.com/office/drawing/2014/main" id="{2905FBA1-488D-4B73-8CB4-EE11E739C6E7}"/>
+                <a16:creationId xmlns:a16="http://schemas.microsoft.com/office/drawing/2014/main" id="{C9F5B439-26C6-4FD7-8F99-BDBF79D16AF0}"/>
               </a:ext>
             </a:extLst>
           </p:cNvPr>
-          <p:cNvSpPr>
-            <a:spLocks noGrp="1"/>
-          </p:cNvSpPr>
+          <p:cNvGraphicFramePr>
+            <a:graphicFrameLocks noGrp="1"/>
+          </p:cNvGraphicFramePr>
           <p:nvPr>
             <p:ph idx="1"/>
-          </p:nvPr>
-        </p:nvSpPr>
-        <p:spPr/>
-        <p:txBody>
-          <a:bodyPr/>
-          <a:lstStyle/>
-          <a:p>
-            <a:r>
-              <a:rPr lang="vi-VN" b="0" i="0">
-                <a:effectLst/>
-                <a:latin typeface="Arial" panose="020B0604020202020204" pitchFamily="34" charset="0"/>
-              </a:rPr>
-              <a:t>Hệ số nén tương đối cao, trong tập tin nén không cần phải chứa bảng mã </a:t>
-            </a:r>
-            <a:endParaRPr lang="en-US" b="0" i="0">
-              <a:effectLst/>
-              <a:latin typeface="Arial" panose="020B0604020202020204" pitchFamily="34" charset="0"/>
-            </a:endParaRPr>
-          </a:p>
-          <a:p>
-            <a:pPr marL="0" indent="0">
-              <a:buNone/>
-            </a:pPr>
-            <a:endParaRPr lang="en-US" b="0" i="0">
-              <a:effectLst/>
-              <a:latin typeface="Arial" panose="020B0604020202020204" pitchFamily="34" charset="0"/>
-            </a:endParaRPr>
-          </a:p>
-          <a:p>
-            <a:r>
-              <a:rPr lang="vi-VN" b="0" i="0">
-                <a:effectLst/>
-                <a:latin typeface="Arial" panose="020B0604020202020204" pitchFamily="34" charset="0"/>
-              </a:rPr>
-              <a:t>Bên nhận có thể tự xây dựng bảng mã mà không cần bên gửi phải gửi kèm theo bản tin nén </a:t>
-            </a:r>
-            <a:endParaRPr lang="en-US" b="0" i="0">
-              <a:effectLst/>
-              <a:latin typeface="Arial" panose="020B0604020202020204" pitchFamily="34" charset="0"/>
-            </a:endParaRPr>
-          </a:p>
-          <a:p>
-            <a:pPr marL="0" indent="0">
-              <a:buNone/>
-            </a:pPr>
-            <a:endParaRPr lang="en-US" b="0" i="0">
-              <a:effectLst/>
-              <a:latin typeface="Arial" panose="020B0604020202020204" pitchFamily="34" charset="0"/>
-            </a:endParaRPr>
-          </a:p>
-          <a:p>
-            <a:r>
-              <a:rPr lang="vi-VN" b="0" i="0">
-                <a:effectLst/>
-                <a:latin typeface="Arial" panose="020B0604020202020204" pitchFamily="34" charset="0"/>
-              </a:rPr>
-              <a:t>Thuật toán LZW khắc phục được sự lãng phí về bộ nhớ mà các thuật toán trước không tận dụng được hết. Đồng thời khắc phục được sự cứng nhắc của thuật toán nén, góp phần làm thuật toán nén linh hoạt hơn.</a:t>
-            </a:r>
-            <a:endParaRPr lang="en-US" b="0" i="0">
-              <a:solidFill>
-                <a:schemeClr val="tx1"/>
-              </a:solidFill>
-              <a:effectLst/>
-              <a:latin typeface="Arial" panose="020B0604020202020204" pitchFamily="34" charset="0"/>
-            </a:endParaRPr>
-          </a:p>
-          <a:p>
-            <a:endParaRPr lang="en-US">
-              <a:solidFill>
-                <a:schemeClr val="tx1"/>
-              </a:solidFill>
-              <a:latin typeface="Arial" panose="020B0604020202020204" pitchFamily="34" charset="0"/>
-              <a:cs typeface="Arial" panose="020B0604020202020204" pitchFamily="34" charset="0"/>
-            </a:endParaRPr>
-          </a:p>
-        </p:txBody>
-      </p:sp>
+            <p:extLst>
+              <p:ext uri="{D42A27DB-BD31-4B8C-83A1-F6EECF244321}">
+                <p14:modId xmlns:p14="http://schemas.microsoft.com/office/powerpoint/2010/main" val="1713041409"/>
+              </p:ext>
+            </p:extLst>
+          </p:nvPr>
+        </p:nvGraphicFramePr>
+        <p:xfrm>
+          <a:off x="482600" y="2160588"/>
+          <a:ext cx="8791402" cy="2595880"/>
+        </p:xfrm>
+        <a:graphic>
+          <a:graphicData uri="http://schemas.openxmlformats.org/drawingml/2006/table">
+            <a:tbl>
+              <a:tblPr firstRow="1" bandRow="1">
+                <a:tableStyleId>{5C22544A-7EE6-4342-B048-85BDC9FD1C3A}</a:tableStyleId>
+              </a:tblPr>
+              <a:tblGrid>
+                <a:gridCol w="627577">
+                  <a:extLst>
+                    <a:ext uri="{9D8B030D-6E8A-4147-A177-3AD203B41FA5}">
+                      <a16:colId xmlns:a16="http://schemas.microsoft.com/office/drawing/2014/main" val="2264049386"/>
+                    </a:ext>
+                  </a:extLst>
+                </a:gridCol>
+                <a:gridCol w="2721275">
+                  <a:extLst>
+                    <a:ext uri="{9D8B030D-6E8A-4147-A177-3AD203B41FA5}">
+                      <a16:colId xmlns:a16="http://schemas.microsoft.com/office/drawing/2014/main" val="3885563975"/>
+                    </a:ext>
+                  </a:extLst>
+                </a:gridCol>
+                <a:gridCol w="2721275">
+                  <a:extLst>
+                    <a:ext uri="{9D8B030D-6E8A-4147-A177-3AD203B41FA5}">
+                      <a16:colId xmlns:a16="http://schemas.microsoft.com/office/drawing/2014/main" val="4086500078"/>
+                    </a:ext>
+                  </a:extLst>
+                </a:gridCol>
+                <a:gridCol w="2721275">
+                  <a:extLst>
+                    <a:ext uri="{9D8B030D-6E8A-4147-A177-3AD203B41FA5}">
+                      <a16:colId xmlns:a16="http://schemas.microsoft.com/office/drawing/2014/main" val="2866406614"/>
+                    </a:ext>
+                  </a:extLst>
+                </a:gridCol>
+              </a:tblGrid>
+              <a:tr h="370840">
+                <a:tc>
+                  <a:txBody>
+                    <a:bodyPr/>
+                    <a:lstStyle/>
+                    <a:p>
+                      <a:pPr algn="ctr"/>
+                      <a:r>
+                        <a:rPr lang="en-US"/>
+                        <a:t>w</a:t>
+                      </a:r>
+                    </a:p>
+                  </a:txBody>
+                  <a:tcPr/>
+                </a:tc>
+                <a:tc>
+                  <a:txBody>
+                    <a:bodyPr/>
+                    <a:lstStyle/>
+                    <a:p>
+                      <a:pPr algn="ctr"/>
+                      <a:r>
+                        <a:rPr lang="en-US"/>
+                        <a:t>K</a:t>
+                      </a:r>
+                    </a:p>
+                  </a:txBody>
+                  <a:tcPr/>
+                </a:tc>
+                <a:tc>
+                  <a:txBody>
+                    <a:bodyPr/>
+                    <a:lstStyle/>
+                    <a:p>
+                      <a:pPr algn="ctr"/>
+                      <a:r>
+                        <a:rPr lang="en-US"/>
+                        <a:t>output</a:t>
+                      </a:r>
+                    </a:p>
+                  </a:txBody>
+                  <a:tcPr/>
+                </a:tc>
+                <a:tc>
+                  <a:txBody>
+                    <a:bodyPr/>
+                    <a:lstStyle/>
+                    <a:p>
+                      <a:pPr algn="ctr"/>
+                      <a:r>
+                        <a:rPr lang="en-US"/>
+                        <a:t>dictionary</a:t>
+                      </a:r>
+                    </a:p>
+                  </a:txBody>
+                  <a:tcPr/>
+                </a:tc>
+                <a:extLst>
+                  <a:ext uri="{0D108BD9-81ED-4DB2-BD59-A6C34878D82A}">
+                    <a16:rowId xmlns:a16="http://schemas.microsoft.com/office/drawing/2014/main" val="3824693556"/>
+                  </a:ext>
+                </a:extLst>
+              </a:tr>
+              <a:tr h="370840">
+                <a:tc>
+                  <a:txBody>
+                    <a:bodyPr/>
+                    <a:lstStyle/>
+                    <a:p>
+                      <a:pPr algn="ctr"/>
+                      <a:endParaRPr lang="en-US"/>
+                    </a:p>
+                  </a:txBody>
+                  <a:tcPr/>
+                </a:tc>
+                <a:tc>
+                  <a:txBody>
+                    <a:bodyPr/>
+                    <a:lstStyle/>
+                    <a:p>
+                      <a:pPr algn="ctr"/>
+                      <a:r>
+                        <a:rPr lang="en-US"/>
+                        <a:t>b</a:t>
+                      </a:r>
+                    </a:p>
+                  </a:txBody>
+                  <a:tcPr/>
+                </a:tc>
+                <a:tc>
+                  <a:txBody>
+                    <a:bodyPr/>
+                    <a:lstStyle/>
+                    <a:p>
+                      <a:pPr algn="ctr"/>
+                      <a:r>
+                        <a:rPr lang="en-US"/>
+                        <a:t>b</a:t>
+                      </a:r>
+                    </a:p>
+                  </a:txBody>
+                  <a:tcPr/>
+                </a:tc>
+                <a:tc>
+                  <a:txBody>
+                    <a:bodyPr/>
+                    <a:lstStyle/>
+                    <a:p>
+                      <a:pPr algn="ctr"/>
+                      <a:endParaRPr lang="en-US"/>
+                    </a:p>
+                  </a:txBody>
+                  <a:tcPr/>
+                </a:tc>
+                <a:extLst>
+                  <a:ext uri="{0D108BD9-81ED-4DB2-BD59-A6C34878D82A}">
+                    <a16:rowId xmlns:a16="http://schemas.microsoft.com/office/drawing/2014/main" val="4097168122"/>
+                  </a:ext>
+                </a:extLst>
+              </a:tr>
+              <a:tr h="370840">
+                <a:tc>
+                  <a:txBody>
+                    <a:bodyPr/>
+                    <a:lstStyle/>
+                    <a:p>
+                      <a:pPr algn="ctr"/>
+                      <a:r>
+                        <a:rPr lang="en-US"/>
+                        <a:t>b</a:t>
+                      </a:r>
+                    </a:p>
+                  </a:txBody>
+                  <a:tcPr/>
+                </a:tc>
+                <a:tc>
+                  <a:txBody>
+                    <a:bodyPr/>
+                    <a:lstStyle/>
+                    <a:p>
+                      <a:pPr algn="ctr"/>
+                      <a:r>
+                        <a:rPr lang="en-US"/>
+                        <a:t>o</a:t>
+                      </a:r>
+                    </a:p>
+                  </a:txBody>
+                  <a:tcPr/>
+                </a:tc>
+                <a:tc>
+                  <a:txBody>
+                    <a:bodyPr/>
+                    <a:lstStyle/>
+                    <a:p>
+                      <a:pPr algn="ctr"/>
+                      <a:r>
+                        <a:rPr lang="en-US"/>
+                        <a:t>o</a:t>
+                      </a:r>
+                    </a:p>
+                  </a:txBody>
+                  <a:tcPr/>
+                </a:tc>
+                <a:tc>
+                  <a:txBody>
+                    <a:bodyPr/>
+                    <a:lstStyle/>
+                    <a:p>
+                      <a:pPr algn="ctr"/>
+                      <a:r>
+                        <a:rPr lang="en-US"/>
+                        <a:t>bo=&lt;256&gt;</a:t>
+                      </a:r>
+                    </a:p>
+                  </a:txBody>
+                  <a:tcPr/>
+                </a:tc>
+                <a:extLst>
+                  <a:ext uri="{0D108BD9-81ED-4DB2-BD59-A6C34878D82A}">
+                    <a16:rowId xmlns:a16="http://schemas.microsoft.com/office/drawing/2014/main" val="3670574141"/>
+                  </a:ext>
+                </a:extLst>
+              </a:tr>
+              <a:tr h="370840">
+                <a:tc>
+                  <a:txBody>
+                    <a:bodyPr/>
+                    <a:lstStyle/>
+                    <a:p>
+                      <a:pPr algn="ctr"/>
+                      <a:r>
+                        <a:rPr lang="en-US"/>
+                        <a:t>o</a:t>
+                      </a:r>
+                    </a:p>
+                  </a:txBody>
+                  <a:tcPr/>
+                </a:tc>
+                <a:tc>
+                  <a:txBody>
+                    <a:bodyPr/>
+                    <a:lstStyle/>
+                    <a:p>
+                      <a:pPr algn="ctr"/>
+                      <a:r>
+                        <a:rPr lang="en-US"/>
+                        <a:t>&lt;257&gt;</a:t>
+                      </a:r>
+                    </a:p>
+                  </a:txBody>
+                  <a:tcPr/>
+                </a:tc>
+                <a:tc>
+                  <a:txBody>
+                    <a:bodyPr/>
+                    <a:lstStyle/>
+                    <a:p>
+                      <a:pPr algn="ctr"/>
+                      <a:r>
+                        <a:rPr lang="en-US"/>
+                        <a:t>oo</a:t>
+                      </a:r>
+                    </a:p>
+                  </a:txBody>
+                  <a:tcPr/>
+                </a:tc>
+                <a:tc>
+                  <a:txBody>
+                    <a:bodyPr/>
+                    <a:lstStyle/>
+                    <a:p>
+                      <a:pPr algn="ctr"/>
+                      <a:r>
+                        <a:rPr lang="en-US"/>
+                        <a:t>oo=&lt;257&gt;</a:t>
+                      </a:r>
+                    </a:p>
+                  </a:txBody>
+                  <a:tcPr/>
+                </a:tc>
+                <a:extLst>
+                  <a:ext uri="{0D108BD9-81ED-4DB2-BD59-A6C34878D82A}">
+                    <a16:rowId xmlns:a16="http://schemas.microsoft.com/office/drawing/2014/main" val="779512596"/>
+                  </a:ext>
+                </a:extLst>
+              </a:tr>
+              <a:tr h="370840">
+                <a:tc>
+                  <a:txBody>
+                    <a:bodyPr/>
+                    <a:lstStyle/>
+                    <a:p>
+                      <a:pPr algn="ctr"/>
+                      <a:r>
+                        <a:rPr lang="en-US"/>
+                        <a:t>oo</a:t>
+                      </a:r>
+                    </a:p>
+                  </a:txBody>
+                  <a:tcPr/>
+                </a:tc>
+                <a:tc>
+                  <a:txBody>
+                    <a:bodyPr/>
+                    <a:lstStyle/>
+                    <a:p>
+                      <a:pPr algn="ctr"/>
+                      <a:r>
+                        <a:rPr lang="en-US"/>
+                        <a:t>p</a:t>
+                      </a:r>
+                    </a:p>
+                  </a:txBody>
+                  <a:tcPr/>
+                </a:tc>
+                <a:tc>
+                  <a:txBody>
+                    <a:bodyPr/>
+                    <a:lstStyle/>
+                    <a:p>
+                      <a:pPr algn="ctr"/>
+                      <a:r>
+                        <a:rPr lang="en-US"/>
+                        <a:t>p</a:t>
+                      </a:r>
+                    </a:p>
+                  </a:txBody>
+                  <a:tcPr/>
+                </a:tc>
+                <a:tc>
+                  <a:txBody>
+                    <a:bodyPr/>
+                    <a:lstStyle/>
+                    <a:p>
+                      <a:pPr algn="ctr"/>
+                      <a:r>
+                        <a:rPr lang="en-US"/>
+                        <a:t>oop=&lt;258&gt;</a:t>
+                      </a:r>
+                    </a:p>
+                  </a:txBody>
+                  <a:tcPr/>
+                </a:tc>
+                <a:extLst>
+                  <a:ext uri="{0D108BD9-81ED-4DB2-BD59-A6C34878D82A}">
+                    <a16:rowId xmlns:a16="http://schemas.microsoft.com/office/drawing/2014/main" val="973747102"/>
+                  </a:ext>
+                </a:extLst>
+              </a:tr>
+              <a:tr h="370840">
+                <a:tc>
+                  <a:txBody>
+                    <a:bodyPr/>
+                    <a:lstStyle/>
+                    <a:p>
+                      <a:pPr algn="ctr"/>
+                      <a:r>
+                        <a:rPr lang="en-US"/>
+                        <a:t>p</a:t>
+                      </a:r>
+                    </a:p>
+                  </a:txBody>
+                  <a:tcPr/>
+                </a:tc>
+                <a:tc>
+                  <a:txBody>
+                    <a:bodyPr/>
+                    <a:lstStyle/>
+                    <a:p>
+                      <a:pPr algn="ctr"/>
+                      <a:r>
+                        <a:rPr lang="en-US"/>
+                        <a:t>-</a:t>
+                      </a:r>
+                    </a:p>
+                  </a:txBody>
+                  <a:tcPr/>
+                </a:tc>
+                <a:tc>
+                  <a:txBody>
+                    <a:bodyPr/>
+                    <a:lstStyle/>
+                    <a:p>
+                      <a:pPr algn="ctr"/>
+                      <a:r>
+                        <a:rPr lang="en-US"/>
+                        <a:t>-</a:t>
+                      </a:r>
+                    </a:p>
+                  </a:txBody>
+                  <a:tcPr/>
+                </a:tc>
+                <a:tc>
+                  <a:txBody>
+                    <a:bodyPr/>
+                    <a:lstStyle/>
+                    <a:p>
+                      <a:pPr algn="ctr"/>
+                      <a:r>
+                        <a:rPr lang="en-US"/>
+                        <a:t>-</a:t>
+                      </a:r>
+                    </a:p>
+                  </a:txBody>
+                  <a:tcPr/>
+                </a:tc>
+                <a:extLst>
+                  <a:ext uri="{0D108BD9-81ED-4DB2-BD59-A6C34878D82A}">
+                    <a16:rowId xmlns:a16="http://schemas.microsoft.com/office/drawing/2014/main" val="776380154"/>
+                  </a:ext>
+                </a:extLst>
+              </a:tr>
+              <a:tr h="370840">
+                <a:tc>
+                  <a:txBody>
+                    <a:bodyPr/>
+                    <a:lstStyle/>
+                    <a:p>
+                      <a:pPr algn="ctr"/>
+                      <a:r>
+                        <a:rPr lang="en-US"/>
+                        <a:t>-</a:t>
+                      </a:r>
+                    </a:p>
+                  </a:txBody>
+                  <a:tcPr/>
+                </a:tc>
+                <a:tc>
+                  <a:txBody>
+                    <a:bodyPr/>
+                    <a:lstStyle/>
+                    <a:p>
+                      <a:pPr algn="ctr"/>
+                      <a:r>
+                        <a:rPr lang="en-US"/>
+                        <a:t>-</a:t>
+                      </a:r>
+                    </a:p>
+                  </a:txBody>
+                  <a:tcPr/>
+                </a:tc>
+                <a:tc>
+                  <a:txBody>
+                    <a:bodyPr/>
+                    <a:lstStyle/>
+                    <a:p>
+                      <a:pPr algn="ctr"/>
+                      <a:r>
+                        <a:rPr lang="en-US"/>
+                        <a:t>-</a:t>
+                      </a:r>
+                    </a:p>
+                  </a:txBody>
+                  <a:tcPr/>
+                </a:tc>
+                <a:tc>
+                  <a:txBody>
+                    <a:bodyPr/>
+                    <a:lstStyle/>
+                    <a:p>
+                      <a:pPr algn="ctr"/>
+                      <a:r>
+                        <a:rPr lang="en-US"/>
+                        <a:t>-</a:t>
+                      </a:r>
+                    </a:p>
+                  </a:txBody>
+                  <a:tcPr/>
+                </a:tc>
+                <a:extLst>
+                  <a:ext uri="{0D108BD9-81ED-4DB2-BD59-A6C34878D82A}">
+                    <a16:rowId xmlns:a16="http://schemas.microsoft.com/office/drawing/2014/main" val="1116195589"/>
+                  </a:ext>
+                </a:extLst>
+              </a:tr>
+            </a:tbl>
+          </a:graphicData>
+        </a:graphic>
+      </p:graphicFrame>
     </p:spTree>
     <p:extLst>
       <p:ext uri="{BB962C8B-B14F-4D97-AF65-F5344CB8AC3E}">
-        <p14:creationId xmlns:p14="http://schemas.microsoft.com/office/powerpoint/2010/main" val="3205069984"/>
+        <p14:creationId xmlns:p14="http://schemas.microsoft.com/office/powerpoint/2010/main" val="1639843805"/>
       </p:ext>
     </p:extLst>
   </p:cSld>
@@ -8252,7 +9105,7 @@
           <p:cNvPr id="2" name="Title 1">
             <a:extLst>
               <a:ext uri="{FF2B5EF4-FFF2-40B4-BE49-F238E27FC236}">
-                <a16:creationId xmlns:a16="http://schemas.microsoft.com/office/drawing/2014/main" id="{D107ACC1-6D41-43C0-AF4B-4DEBCE0D2A4C}"/>
+                <a16:creationId xmlns:a16="http://schemas.microsoft.com/office/drawing/2014/main" id="{C4AA2982-4329-498E-8E81-05772AD57392}"/>
               </a:ext>
             </a:extLst>
           </p:cNvPr>
@@ -8261,6 +9114,34 @@
           </p:cNvSpPr>
           <p:nvPr>
             <p:ph type="title"/>
+          </p:nvPr>
+        </p:nvSpPr>
+        <p:spPr/>
+        <p:txBody>
+          <a:bodyPr/>
+          <a:lstStyle/>
+          <a:p>
+            <a:r>
+              <a:rPr lang="en-US"/>
+              <a:t>Ưu Điểm</a:t>
+            </a:r>
+          </a:p>
+        </p:txBody>
+      </p:sp>
+      <p:sp>
+        <p:nvSpPr>
+          <p:cNvPr id="3" name="Content Placeholder 2">
+            <a:extLst>
+              <a:ext uri="{FF2B5EF4-FFF2-40B4-BE49-F238E27FC236}">
+                <a16:creationId xmlns:a16="http://schemas.microsoft.com/office/drawing/2014/main" id="{2905FBA1-488D-4B73-8CB4-EE11E739C6E7}"/>
+              </a:ext>
+            </a:extLst>
+          </p:cNvPr>
+          <p:cNvSpPr>
+            <a:spLocks noGrp="1"/>
+          </p:cNvSpPr>
+          <p:nvPr>
+            <p:ph idx="1"/>
           </p:nvPr>
         </p:nvSpPr>
         <p:spPr/>
@@ -8273,48 +9154,75 @@
                 <a:effectLst/>
                 <a:latin typeface="Arial" panose="020B0604020202020204" pitchFamily="34" charset="0"/>
               </a:rPr>
-              <a:t>Nhược điểm</a:t>
-            </a:r>
-            <a:endParaRPr lang="en-US"/>
-          </a:p>
-        </p:txBody>
-      </p:sp>
-      <p:sp>
-        <p:nvSpPr>
-          <p:cNvPr id="3" name="Content Placeholder 2">
-            <a:extLst>
-              <a:ext uri="{FF2B5EF4-FFF2-40B4-BE49-F238E27FC236}">
-                <a16:creationId xmlns:a16="http://schemas.microsoft.com/office/drawing/2014/main" id="{25ACC0B2-249F-4DB4-9ECC-61B2D389E954}"/>
-              </a:ext>
-            </a:extLst>
-          </p:cNvPr>
-          <p:cNvSpPr>
-            <a:spLocks noGrp="1"/>
-          </p:cNvSpPr>
-          <p:nvPr>
-            <p:ph idx="1"/>
-          </p:nvPr>
-        </p:nvSpPr>
-        <p:spPr/>
-        <p:txBody>
-          <a:bodyPr/>
-          <a:lstStyle/>
+              <a:t>Hệ số nén tương đối cao, trong tập tin nén không cần phải chứa bảng mã </a:t>
+            </a:r>
+            <a:endParaRPr lang="en-US" b="0" i="0">
+              <a:effectLst/>
+              <a:latin typeface="Arial" panose="020B0604020202020204" pitchFamily="34" charset="0"/>
+            </a:endParaRPr>
+          </a:p>
+          <a:p>
+            <a:pPr marL="0" indent="0">
+              <a:buNone/>
+            </a:pPr>
+            <a:endParaRPr lang="en-US" b="0" i="0">
+              <a:effectLst/>
+              <a:latin typeface="Arial" panose="020B0604020202020204" pitchFamily="34" charset="0"/>
+            </a:endParaRPr>
+          </a:p>
           <a:p>
             <a:r>
               <a:rPr lang="vi-VN" b="0" i="0">
                 <a:effectLst/>
                 <a:latin typeface="Arial" panose="020B0604020202020204" pitchFamily="34" charset="0"/>
               </a:rPr>
-              <a:t>Tốn nhiều bộ nhớ, khó thực hiện trên các mảng bé hơn 64KB</a:t>
-            </a:r>
-            <a:endParaRPr lang="en-US"/>
+              <a:t>Bên nhận có thể tự xây dựng bảng mã mà không cần bên gửi phải gửi kèm theo bản tin nén </a:t>
+            </a:r>
+            <a:endParaRPr lang="en-US" b="0" i="0">
+              <a:effectLst/>
+              <a:latin typeface="Arial" panose="020B0604020202020204" pitchFamily="34" charset="0"/>
+            </a:endParaRPr>
+          </a:p>
+          <a:p>
+            <a:pPr marL="0" indent="0">
+              <a:buNone/>
+            </a:pPr>
+            <a:endParaRPr lang="en-US" b="0" i="0">
+              <a:effectLst/>
+              <a:latin typeface="Arial" panose="020B0604020202020204" pitchFamily="34" charset="0"/>
+            </a:endParaRPr>
+          </a:p>
+          <a:p>
+            <a:r>
+              <a:rPr lang="vi-VN" b="0" i="0">
+                <a:effectLst/>
+                <a:latin typeface="Arial" panose="020B0604020202020204" pitchFamily="34" charset="0"/>
+              </a:rPr>
+              <a:t>Thuật toán LZW khắc phục được sự lãng phí về bộ nhớ mà các thuật toán trước không tận dụng được hết. Đồng thời khắc phục được sự cứng nhắc của thuật toán nén, góp phần làm thuật toán nén linh hoạt hơn.</a:t>
+            </a:r>
+            <a:endParaRPr lang="en-US" b="0" i="0">
+              <a:solidFill>
+                <a:schemeClr val="tx1"/>
+              </a:solidFill>
+              <a:effectLst/>
+              <a:latin typeface="Arial" panose="020B0604020202020204" pitchFamily="34" charset="0"/>
+            </a:endParaRPr>
+          </a:p>
+          <a:p>
+            <a:endParaRPr lang="en-US">
+              <a:solidFill>
+                <a:schemeClr val="tx1"/>
+              </a:solidFill>
+              <a:latin typeface="Arial" panose="020B0604020202020204" pitchFamily="34" charset="0"/>
+              <a:cs typeface="Arial" panose="020B0604020202020204" pitchFamily="34" charset="0"/>
+            </a:endParaRPr>
           </a:p>
         </p:txBody>
       </p:sp>
     </p:spTree>
     <p:extLst>
       <p:ext uri="{BB962C8B-B14F-4D97-AF65-F5344CB8AC3E}">
-        <p14:creationId xmlns:p14="http://schemas.microsoft.com/office/powerpoint/2010/main" val="3832538320"/>
+        <p14:creationId xmlns:p14="http://schemas.microsoft.com/office/powerpoint/2010/main" val="3205069984"/>
       </p:ext>
     </p:extLst>
   </p:cSld>
@@ -9172,23 +10080,6 @@
 </file>
 
 <file path=customXml/item1.xml><?xml version="1.0" encoding="utf-8"?>
-<?mso-contentType ?>
-<FormTemplates xmlns="http://schemas.microsoft.com/sharepoint/v3/contenttype/forms">
-  <Display>DocumentLibraryForm</Display>
-  <Edit>DocumentLibraryForm</Edit>
-  <New>DocumentLibraryForm</New>
-</FormTemplates>
-</file>
-
-<file path=customXml/item2.xml><?xml version="1.0" encoding="utf-8"?>
-<p:properties xmlns:p="http://schemas.microsoft.com/office/2006/metadata/properties" xmlns:xsi="http://www.w3.org/2001/XMLSchema-instance" xmlns:pc="http://schemas.microsoft.com/office/infopath/2007/PartnerControls">
-  <documentManagement>
-    <MediaServiceKeyPoints xmlns="71af3243-3dd4-4a8d-8c0d-dd76da1f02a5" xsi:nil="true"/>
-  </documentManagement>
-</p:properties>
-</file>
-
-<file path=customXml/item3.xml><?xml version="1.0" encoding="utf-8"?>
 <ct:contentTypeSchema xmlns:ct="http://schemas.microsoft.com/office/2006/metadata/contentType" xmlns:ma="http://schemas.microsoft.com/office/2006/metadata/properties/metaAttributes" ct:_="" ma:_="" ma:contentTypeName="Document" ma:contentTypeID="0x01010079F111ED35F8CC479449609E8A0923A6" ma:contentTypeVersion="11" ma:contentTypeDescription="Create a new document." ma:contentTypeScope="" ma:versionID="9677210f24a1be23c92c90fd886aa0aa">
   <xsd:schema xmlns:xsd="http://www.w3.org/2001/XMLSchema" xmlns:xs="http://www.w3.org/2001/XMLSchema" xmlns:p="http://schemas.microsoft.com/office/2006/metadata/properties" xmlns:ns2="71af3243-3dd4-4a8d-8c0d-dd76da1f02a5" xmlns:ns3="16c05727-aa75-4e4a-9b5f-8a80a1165891" targetNamespace="http://schemas.microsoft.com/office/2006/metadata/properties" ma:root="true" ma:fieldsID="60e05723c5c1908df1a1a4ebf11d344e" ns2:_="" ns3:_="">
     <xsd:import namespace="71af3243-3dd4-4a8d-8c0d-dd76da1f02a5"/>
@@ -9399,25 +10290,24 @@
 </ct:contentTypeSchema>
 </file>
 
-<file path=customXml/itemProps1.xml><?xml version="1.0" encoding="utf-8"?>
-<ds:datastoreItem xmlns:ds="http://schemas.openxmlformats.org/officeDocument/2006/customXml" ds:itemID="{CE12C2FA-3740-4055-BA8A-74A1458F4A51}">
-  <ds:schemaRefs>
-    <ds:schemaRef ds:uri="http://schemas.microsoft.com/sharepoint/v3/contenttype/forms"/>
-  </ds:schemaRefs>
-</ds:datastoreItem>
+<file path=customXml/item2.xml><?xml version="1.0" encoding="utf-8"?>
+<p:properties xmlns:p="http://schemas.microsoft.com/office/2006/metadata/properties" xmlns:xsi="http://www.w3.org/2001/XMLSchema-instance" xmlns:pc="http://schemas.microsoft.com/office/infopath/2007/PartnerControls">
+  <documentManagement>
+    <MediaServiceKeyPoints xmlns="71af3243-3dd4-4a8d-8c0d-dd76da1f02a5" xsi:nil="true"/>
+  </documentManagement>
+</p:properties>
 </file>
 
-<file path=customXml/itemProps2.xml><?xml version="1.0" encoding="utf-8"?>
-<ds:datastoreItem xmlns:ds="http://schemas.openxmlformats.org/officeDocument/2006/customXml" ds:itemID="{4415B3C4-7FB6-414C-8C24-8862C0E6C9F3}">
-  <ds:schemaRefs>
-    <ds:schemaRef ds:uri="http://schemas.microsoft.com/office/2006/metadata/properties"/>
-    <ds:schemaRef ds:uri="http://schemas.microsoft.com/office/infopath/2007/PartnerControls"/>
-    <ds:schemaRef ds:uri="71af3243-3dd4-4a8d-8c0d-dd76da1f02a5"/>
-  </ds:schemaRefs>
-</ds:datastoreItem>
+<file path=customXml/item3.xml><?xml version="1.0" encoding="utf-8"?>
+<?mso-contentType ?>
+<FormTemplates xmlns="http://schemas.microsoft.com/sharepoint/v3/contenttype/forms">
+  <Display>DocumentLibraryForm</Display>
+  <Edit>DocumentLibraryForm</Edit>
+  <New>DocumentLibraryForm</New>
+</FormTemplates>
 </file>
 
-<file path=customXml/itemProps3.xml><?xml version="1.0" encoding="utf-8"?>
+<file path=customXml/itemProps1.xml><?xml version="1.0" encoding="utf-8"?>
 <ds:datastoreItem xmlns:ds="http://schemas.openxmlformats.org/officeDocument/2006/customXml" ds:itemID="{C94D8E57-4A0C-4C18-9517-59F50323F015}">
   <ds:schemaRefs>
     <ds:schemaRef ds:uri="http://schemas.microsoft.com/office/2006/metadata/contentType"/>
@@ -9434,4 +10324,22 @@
     <ds:schemaRef ds:uri="http://schemas.microsoft.com/internal/obd"/>
   </ds:schemaRefs>
 </ds:datastoreItem>
+</file>
+
+<file path=customXml/itemProps2.xml><?xml version="1.0" encoding="utf-8"?>
+<ds:datastoreItem xmlns:ds="http://schemas.openxmlformats.org/officeDocument/2006/customXml" ds:itemID="{4415B3C4-7FB6-414C-8C24-8862C0E6C9F3}">
+  <ds:schemaRefs>
+    <ds:schemaRef ds:uri="http://schemas.microsoft.com/office/2006/metadata/properties"/>
+    <ds:schemaRef ds:uri="http://schemas.microsoft.com/office/infopath/2007/PartnerControls"/>
+    <ds:schemaRef ds:uri="71af3243-3dd4-4a8d-8c0d-dd76da1f02a5"/>
+  </ds:schemaRefs>
+</ds:datastoreItem>
+</file>
+
+<file path=customXml/itemProps3.xml><?xml version="1.0" encoding="utf-8"?>
+<ds:datastoreItem xmlns:ds="http://schemas.openxmlformats.org/officeDocument/2006/customXml" ds:itemID="{CE12C2FA-3740-4055-BA8A-74A1458F4A51}">
+  <ds:schemaRefs>
+    <ds:schemaRef ds:uri="http://schemas.microsoft.com/sharepoint/v3/contenttype/forms"/>
+  </ds:schemaRefs>
+</ds:datastoreItem>
 </file>